--- a/003_React/lesson_19/Presentation/ReactJS_intro.pptx
+++ b/003_React/lesson_19/Presentation/ReactJS_intro.pptx
@@ -110,6 +110,22 @@
       </a:defRPr>
     </a:lvl9pPr>
   </p:defaultTextStyle>
+  <p:extLst>
+    <p:ext uri="{EFAFB233-063F-42B5-8137-9DF3F51BA10A}">
+      <p15:sldGuideLst xmlns:p15="http://schemas.microsoft.com/office/powerpoint/2012/main">
+        <p15:guide id="1" orient="horz" pos="2160">
+          <p15:clr>
+            <a:srgbClr val="A4A3A4"/>
+          </p15:clr>
+        </p15:guide>
+        <p15:guide id="2" pos="2880">
+          <p15:clr>
+            <a:srgbClr val="A4A3A4"/>
+          </p15:clr>
+        </p15:guide>
+      </p15:sldGuideLst>
+    </p:ext>
+  </p:extLst>
 </p:presentation>
 </file>
 
@@ -168,10 +184,9 @@
           </a:lstStyle>
           <a:p>
             <a:r>
-              <a:rPr lang="en-US" dirty="0" smtClean="0"/>
+              <a:rPr lang="en-US" dirty="0"/>
               <a:t>title style</a:t>
             </a:r>
-            <a:endParaRPr lang="en-US" dirty="0"/>
           </a:p>
         </p:txBody>
       </p:sp>
@@ -291,7 +306,7 @@
           </a:lstStyle>
           <a:p>
             <a:r>
-              <a:rPr lang="ru-RU" smtClean="0"/>
+              <a:rPr lang="ru-RU"/>
               <a:t>Образец подзаголовка</a:t>
             </a:r>
             <a:endParaRPr lang="en-US" dirty="0"/>
@@ -620,20 +635,13 @@
     </p:spTree>
     <p:extLst>
       <p:ext uri="{BB962C8B-B14F-4D97-AF65-F5344CB8AC3E}">
-        <p14:creationId xmlns:p14="http://schemas.microsoft.com/office/powerpoint/2010/main" xmlns="" val="3537187278"/>
+        <p14:creationId xmlns:p14="http://schemas.microsoft.com/office/powerpoint/2010/main" val="3537187278"/>
       </p:ext>
     </p:extLst>
   </p:cSld>
   <p:clrMapOvr>
     <a:overrideClrMapping bg1="lt1" tx1="dk1" bg2="lt2" tx2="dk2" accent1="accent1" accent2="accent2" accent3="accent3" accent4="accent4" accent5="accent5" accent6="accent6" hlink="hlink" folHlink="folHlink"/>
   </p:clrMapOvr>
-  <p:timing>
-    <p:tnLst>
-      <p:par>
-        <p:cTn id="1" dur="indefinite" restart="never" nodeType="tmRoot"/>
-      </p:par>
-    </p:tnLst>
-  </p:timing>
 </p:sldLayout>
 </file>
 
@@ -666,7 +674,7 @@
           <a:blip r:embed="rId2" cstate="print">
             <a:extLst>
               <a:ext uri="{28A0092B-C50C-407E-A947-70E740481C1C}">
-                <a14:useLocalDpi xmlns:a14="http://schemas.microsoft.com/office/drawing/2010/main" xmlns="" val="0"/>
+                <a14:useLocalDpi xmlns:a14="http://schemas.microsoft.com/office/drawing/2010/main" val="0"/>
               </a:ext>
             </a:extLst>
           </a:blip>
@@ -690,14 +698,14 @@
           <a:effectLst/>
           <a:extLst>
             <a:ext uri="{909E8E84-426E-40DD-AFC4-6F175D3DCCD1}">
-              <a14:hiddenFill xmlns:a14="http://schemas.microsoft.com/office/drawing/2010/main" xmlns="">
+              <a14:hiddenFill xmlns:a14="http://schemas.microsoft.com/office/drawing/2010/main">
                 <a:solidFill>
                   <a:schemeClr val="accent1"/>
                 </a:solidFill>
               </a14:hiddenFill>
             </a:ext>
             <a:ext uri="{91240B29-F687-4F45-9708-019B960494DF}">
-              <a14:hiddenLine xmlns:a14="http://schemas.microsoft.com/office/drawing/2010/main" xmlns="" w="9525">
+              <a14:hiddenLine xmlns:a14="http://schemas.microsoft.com/office/drawing/2010/main" w="9525">
                 <a:solidFill>
                   <a:schemeClr val="tx1"/>
                 </a:solidFill>
@@ -707,7 +715,7 @@
               </a14:hiddenLine>
             </a:ext>
             <a:ext uri="{AF507438-7753-43E0-B8FC-AC1667EBCBE1}">
-              <a14:hiddenEffects xmlns:a14="http://schemas.microsoft.com/office/drawing/2010/main" xmlns="">
+              <a14:hiddenEffects xmlns:a14="http://schemas.microsoft.com/office/drawing/2010/main">
                 <a:effectLst>
                   <a:outerShdw dist="35921" dir="2700000" algn="ctr" rotWithShape="0">
                     <a:schemeClr val="bg2"/>
@@ -802,7 +810,7 @@
           </a:lstStyle>
           <a:p>
             <a:r>
-              <a:rPr lang="ru-RU" smtClean="0"/>
+              <a:rPr lang="ru-RU"/>
               <a:t>Образец заголовка</a:t>
             </a:r>
             <a:endParaRPr lang="en-US" dirty="0"/>
@@ -839,7 +847,7 @@
           <a:p>
             <a:pPr lvl="4"/>
             <a:r>
-              <a:rPr lang="en-US" dirty="0" smtClean="0"/>
+              <a:rPr lang="en-US" dirty="0"/>
               <a:t>Subtitle</a:t>
             </a:r>
           </a:p>
@@ -848,20 +856,13 @@
     </p:spTree>
     <p:extLst>
       <p:ext uri="{BB962C8B-B14F-4D97-AF65-F5344CB8AC3E}">
-        <p14:creationId xmlns:p14="http://schemas.microsoft.com/office/powerpoint/2010/main" xmlns="" val="2097366919"/>
+        <p14:creationId xmlns:p14="http://schemas.microsoft.com/office/powerpoint/2010/main" val="2097366919"/>
       </p:ext>
     </p:extLst>
   </p:cSld>
   <p:clrMapOvr>
     <a:masterClrMapping/>
   </p:clrMapOvr>
-  <p:timing>
-    <p:tnLst>
-      <p:par>
-        <p:cTn id="1" dur="indefinite" restart="never" nodeType="tmRoot"/>
-      </p:par>
-    </p:tnLst>
-  </p:timing>
 </p:sldLayout>
 </file>
 
@@ -1370,7 +1371,7 @@
     </p:spTree>
     <p:extLst>
       <p:ext uri="{BB962C8B-B14F-4D97-AF65-F5344CB8AC3E}">
-        <p14:creationId xmlns:p14="http://schemas.microsoft.com/office/powerpoint/2010/main" xmlns="" val="3537187278"/>
+        <p14:creationId xmlns:p14="http://schemas.microsoft.com/office/powerpoint/2010/main" val="3537187278"/>
       </p:ext>
     </p:extLst>
   </p:cSld>
@@ -1428,7 +1429,7 @@
           <a:lstStyle/>
           <a:p>
             <a:r>
-              <a:rPr lang="ru-RU" smtClean="0"/>
+              <a:rPr lang="ru-RU"/>
               <a:t>Образец заголовка</a:t>
             </a:r>
             <a:endParaRPr lang="en-US"/>
@@ -1438,7 +1439,7 @@
     </p:spTree>
     <p:extLst>
       <p:ext uri="{BB962C8B-B14F-4D97-AF65-F5344CB8AC3E}">
-        <p14:creationId xmlns:p14="http://schemas.microsoft.com/office/powerpoint/2010/main" xmlns="" val="779007194"/>
+        <p14:creationId xmlns:p14="http://schemas.microsoft.com/office/powerpoint/2010/main" val="779007194"/>
       </p:ext>
     </p:extLst>
   </p:cSld>
@@ -1448,13 +1449,6 @@
     <p:sldLayoutId id="2147483662" r:id="rId2"/>
     <p:sldLayoutId id="2147483663" r:id="rId3"/>
   </p:sldLayoutIdLst>
-  <p:timing>
-    <p:tnLst>
-      <p:par>
-        <p:cTn id="1" dur="indefinite" restart="never" nodeType="tmRoot"/>
-      </p:par>
-    </p:tnLst>
-  </p:timing>
   <p:txStyles>
     <p:titleStyle>
       <a:lvl1pPr algn="ctr" defTabSz="914400" rtl="0" eaLnBrk="1" latinLnBrk="0" hangingPunct="1">
@@ -1794,7 +1788,7 @@
           <a:lstStyle/>
           <a:p>
             <a:r>
-              <a:rPr lang="en-US" sz="2700" dirty="0" smtClean="0">
+              <a:rPr lang="en-US" sz="2700" dirty="0">
                 <a:solidFill>
                   <a:schemeClr val="bg1"/>
                 </a:solidFill>
@@ -1815,241 +1809,6 @@
           </a:p>
         </p:txBody>
       </p:sp>
-      <p:sp>
-        <p:nvSpPr>
-          <p:cNvPr id="6" name="Subtitle 2"/>
-          <p:cNvSpPr txBox="1">
-            <a:spLocks/>
-          </p:cNvSpPr>
-          <p:nvPr/>
-        </p:nvSpPr>
-        <p:spPr>
-          <a:xfrm>
-            <a:off x="806449" y="1281006"/>
-            <a:ext cx="6322695" cy="507831"/>
-          </a:xfrm>
-          <a:prstGeom prst="rect">
-            <a:avLst/>
-          </a:prstGeom>
-        </p:spPr>
-        <p:txBody>
-          <a:bodyPr wrap="square">
-            <a:spAutoFit/>
-          </a:bodyPr>
-          <a:lstStyle>
-            <a:lvl1pPr marL="0" indent="0" algn="l" defTabSz="914400" rtl="0" eaLnBrk="1" latinLnBrk="0" hangingPunct="1">
-              <a:spcBef>
-                <a:spcPct val="20000"/>
-              </a:spcBef>
-              <a:buFont typeface="Arial" pitchFamily="34" charset="0"/>
-              <a:buNone/>
-              <a:defRPr sz="3200" kern="1200">
-                <a:solidFill>
-                  <a:schemeClr val="tx1">
-                    <a:tint val="75000"/>
-                  </a:schemeClr>
-                </a:solidFill>
-                <a:latin typeface="+mj-lt"/>
-                <a:ea typeface="+mn-ea"/>
-                <a:cs typeface="+mn-cs"/>
-              </a:defRPr>
-            </a:lvl1pPr>
-            <a:lvl2pPr marL="457200" indent="0" algn="ctr" defTabSz="914400" rtl="0" eaLnBrk="1" latinLnBrk="0" hangingPunct="1">
-              <a:spcBef>
-                <a:spcPct val="20000"/>
-              </a:spcBef>
-              <a:buFont typeface="Arial" pitchFamily="34" charset="0"/>
-              <a:buNone/>
-              <a:defRPr sz="2800" kern="1200">
-                <a:solidFill>
-                  <a:schemeClr val="tx1">
-                    <a:tint val="75000"/>
-                  </a:schemeClr>
-                </a:solidFill>
-                <a:latin typeface="+mn-lt"/>
-                <a:ea typeface="+mn-ea"/>
-                <a:cs typeface="+mn-cs"/>
-              </a:defRPr>
-            </a:lvl2pPr>
-            <a:lvl3pPr marL="914400" indent="0" algn="ctr" defTabSz="914400" rtl="0" eaLnBrk="1" latinLnBrk="0" hangingPunct="1">
-              <a:spcBef>
-                <a:spcPct val="20000"/>
-              </a:spcBef>
-              <a:buFont typeface="Arial" pitchFamily="34" charset="0"/>
-              <a:buNone/>
-              <a:defRPr sz="2400" kern="1200">
-                <a:solidFill>
-                  <a:schemeClr val="tx1">
-                    <a:tint val="75000"/>
-                  </a:schemeClr>
-                </a:solidFill>
-                <a:latin typeface="+mn-lt"/>
-                <a:ea typeface="+mn-ea"/>
-                <a:cs typeface="+mn-cs"/>
-              </a:defRPr>
-            </a:lvl3pPr>
-            <a:lvl4pPr marL="1371600" indent="0" algn="ctr" defTabSz="914400" rtl="0" eaLnBrk="1" latinLnBrk="0" hangingPunct="1">
-              <a:spcBef>
-                <a:spcPct val="20000"/>
-              </a:spcBef>
-              <a:buFont typeface="Arial" pitchFamily="34" charset="0"/>
-              <a:buNone/>
-              <a:defRPr sz="2000" kern="1200">
-                <a:solidFill>
-                  <a:schemeClr val="tx1">
-                    <a:tint val="75000"/>
-                  </a:schemeClr>
-                </a:solidFill>
-                <a:latin typeface="+mn-lt"/>
-                <a:ea typeface="+mn-ea"/>
-                <a:cs typeface="+mn-cs"/>
-              </a:defRPr>
-            </a:lvl4pPr>
-            <a:lvl5pPr marL="1828800" indent="0" algn="ctr" defTabSz="914400" rtl="0" eaLnBrk="1" latinLnBrk="0" hangingPunct="1">
-              <a:spcBef>
-                <a:spcPct val="20000"/>
-              </a:spcBef>
-              <a:buFont typeface="Arial" pitchFamily="34" charset="0"/>
-              <a:buNone/>
-              <a:defRPr sz="2000" kern="1200">
-                <a:solidFill>
-                  <a:schemeClr val="tx1">
-                    <a:tint val="75000"/>
-                  </a:schemeClr>
-                </a:solidFill>
-                <a:latin typeface="+mn-lt"/>
-                <a:ea typeface="+mn-ea"/>
-                <a:cs typeface="+mn-cs"/>
-              </a:defRPr>
-            </a:lvl5pPr>
-            <a:lvl6pPr marL="2286000" indent="0" algn="ctr" defTabSz="914400" rtl="0" eaLnBrk="1" latinLnBrk="0" hangingPunct="1">
-              <a:spcBef>
-                <a:spcPct val="20000"/>
-              </a:spcBef>
-              <a:buFont typeface="Arial" pitchFamily="34" charset="0"/>
-              <a:buNone/>
-              <a:defRPr sz="2000" kern="1200">
-                <a:solidFill>
-                  <a:schemeClr val="tx1">
-                    <a:tint val="75000"/>
-                  </a:schemeClr>
-                </a:solidFill>
-                <a:latin typeface="+mn-lt"/>
-                <a:ea typeface="+mn-ea"/>
-                <a:cs typeface="+mn-cs"/>
-              </a:defRPr>
-            </a:lvl6pPr>
-            <a:lvl7pPr marL="2743200" indent="0" algn="ctr" defTabSz="914400" rtl="0" eaLnBrk="1" latinLnBrk="0" hangingPunct="1">
-              <a:spcBef>
-                <a:spcPct val="20000"/>
-              </a:spcBef>
-              <a:buFont typeface="Arial" pitchFamily="34" charset="0"/>
-              <a:buNone/>
-              <a:defRPr sz="2000" kern="1200">
-                <a:solidFill>
-                  <a:schemeClr val="tx1">
-                    <a:tint val="75000"/>
-                  </a:schemeClr>
-                </a:solidFill>
-                <a:latin typeface="+mn-lt"/>
-                <a:ea typeface="+mn-ea"/>
-                <a:cs typeface="+mn-cs"/>
-              </a:defRPr>
-            </a:lvl7pPr>
-            <a:lvl8pPr marL="3200400" indent="0" algn="ctr" defTabSz="914400" rtl="0" eaLnBrk="1" latinLnBrk="0" hangingPunct="1">
-              <a:spcBef>
-                <a:spcPct val="20000"/>
-              </a:spcBef>
-              <a:buFont typeface="Arial" pitchFamily="34" charset="0"/>
-              <a:buNone/>
-              <a:defRPr sz="2000" kern="1200">
-                <a:solidFill>
-                  <a:schemeClr val="tx1">
-                    <a:tint val="75000"/>
-                  </a:schemeClr>
-                </a:solidFill>
-                <a:latin typeface="+mn-lt"/>
-                <a:ea typeface="+mn-ea"/>
-                <a:cs typeface="+mn-cs"/>
-              </a:defRPr>
-            </a:lvl8pPr>
-            <a:lvl9pPr marL="3657600" indent="0" algn="ctr" defTabSz="914400" rtl="0" eaLnBrk="1" latinLnBrk="0" hangingPunct="1">
-              <a:spcBef>
-                <a:spcPct val="20000"/>
-              </a:spcBef>
-              <a:buFont typeface="Arial" pitchFamily="34" charset="0"/>
-              <a:buNone/>
-              <a:defRPr sz="2000" kern="1200">
-                <a:solidFill>
-                  <a:schemeClr val="tx1">
-                    <a:tint val="75000"/>
-                  </a:schemeClr>
-                </a:solidFill>
-                <a:latin typeface="+mn-lt"/>
-                <a:ea typeface="+mn-ea"/>
-                <a:cs typeface="+mn-cs"/>
-              </a:defRPr>
-            </a:lvl9pPr>
-          </a:lstStyle>
-          <a:p>
-            <a:r>
-              <a:rPr lang="en-US" sz="2700" dirty="0">
-                <a:solidFill>
-                  <a:schemeClr val="tx1">
-                    <a:lumMod val="90000"/>
-                    <a:lumOff val="10000"/>
-                  </a:schemeClr>
-                </a:solidFill>
-                <a:latin typeface="Roboto Light" panose="02000000000000000000" pitchFamily="2" charset="0"/>
-                <a:ea typeface="Roboto Light" panose="02000000000000000000" pitchFamily="2" charset="0"/>
-                <a:cs typeface="Roboto Light" panose="02000000000000000000" pitchFamily="2" charset="0"/>
-              </a:rPr>
-              <a:t>The JavaScript Programming Language</a:t>
-            </a:r>
-          </a:p>
-        </p:txBody>
-      </p:sp>
-      <p:pic>
-        <p:nvPicPr>
-          <p:cNvPr id="1028" name="Picture 4" descr="C:\Users\Darick\Desktop\Mmww2.png"/>
-          <p:cNvPicPr>
-            <a:picLocks noChangeAspect="1" noChangeArrowheads="1"/>
-          </p:cNvPicPr>
-          <p:nvPr/>
-        </p:nvPicPr>
-        <p:blipFill>
-          <a:blip r:embed="rId2" cstate="print">
-            <a:extLst>
-              <a:ext uri="{28A0092B-C50C-407E-A947-70E740481C1C}">
-                <a14:useLocalDpi xmlns:a14="http://schemas.microsoft.com/office/drawing/2010/main" xmlns="" val="0"/>
-              </a:ext>
-            </a:extLst>
-          </a:blip>
-          <a:srcRect/>
-          <a:stretch>
-            <a:fillRect/>
-          </a:stretch>
-        </p:blipFill>
-        <p:spPr bwMode="auto">
-          <a:xfrm>
-            <a:off x="1" y="698501"/>
-            <a:ext cx="809625" cy="1079500"/>
-          </a:xfrm>
-          <a:prstGeom prst="rect">
-            <a:avLst/>
-          </a:prstGeom>
-          <a:noFill/>
-          <a:extLst>
-            <a:ext uri="{909E8E84-426E-40DD-AFC4-6F175D3DCCD1}">
-              <a14:hiddenFill xmlns:a14="http://schemas.microsoft.com/office/drawing/2010/main" xmlns="">
-                <a:solidFill>
-                  <a:srgbClr val="FFFFFF"/>
-                </a:solidFill>
-              </a14:hiddenFill>
-            </a:ext>
-          </a:extLst>
-        </p:spPr>
-      </p:pic>
       <p:sp>
         <p:nvSpPr>
           <p:cNvPr id="5" name="TextBox 4"/>
@@ -2073,37 +1832,59 @@
           <a:lstStyle/>
           <a:p>
             <a:r>
-              <a:rPr lang="ru-RU" sz="4400" dirty="0" smtClean="0">
+              <a:rPr lang="ru-RU" sz="4400" dirty="0">
                 <a:solidFill>
                   <a:srgbClr val="7564BC"/>
                 </a:solidFill>
+                <a:latin typeface="Calibri" panose="020F0502020204030204" pitchFamily="34" charset="0"/>
               </a:rPr>
               <a:t>Введение в </a:t>
-            </a:r>
-            <a:r>
-              <a:rPr lang="en-US" sz="4400" dirty="0" err="1" smtClean="0">
-                <a:solidFill>
-                  <a:srgbClr val="7564BC"/>
-                </a:solidFill>
-              </a:rPr>
-              <a:t>ReactJ</a:t>
             </a:r>
             <a:r>
               <a:rPr lang="en-US" sz="4400" dirty="0" err="1">
                 <a:solidFill>
                   <a:srgbClr val="7564BC"/>
                 </a:solidFill>
-              </a:rPr>
-              <a:t>S</a:t>
-            </a:r>
-            <a:endParaRPr lang="en-US" dirty="0"/>
-          </a:p>
-        </p:txBody>
-      </p:sp>
+                <a:latin typeface="Calibri" panose="020F0502020204030204" pitchFamily="34" charset="0"/>
+              </a:rPr>
+              <a:t>ReactJS</a:t>
+            </a:r>
+            <a:endParaRPr lang="en-US" dirty="0">
+              <a:latin typeface="Calibri" panose="020F0502020204030204" pitchFamily="34" charset="0"/>
+            </a:endParaRPr>
+          </a:p>
+        </p:txBody>
+      </p:sp>
+      <p:pic>
+        <p:nvPicPr>
+          <p:cNvPr id="8" name="Picture 2" descr="http://moduscreate.com/wp-content/uploads/2014/03/react-opti.png"/>
+          <p:cNvPicPr>
+            <a:picLocks noChangeAspect="1" noChangeArrowheads="1"/>
+          </p:cNvPicPr>
+          <p:nvPr/>
+        </p:nvPicPr>
+        <p:blipFill>
+          <a:blip r:embed="rId2" cstate="print"/>
+          <a:srcRect/>
+          <a:stretch>
+            <a:fillRect/>
+          </a:stretch>
+        </p:blipFill>
+        <p:spPr bwMode="auto">
+          <a:xfrm>
+            <a:off x="976312" y="1127127"/>
+            <a:ext cx="3613398" cy="1005729"/>
+          </a:xfrm>
+          <a:prstGeom prst="rect">
+            <a:avLst/>
+          </a:prstGeom>
+          <a:noFill/>
+        </p:spPr>
+      </p:pic>
     </p:spTree>
     <p:extLst>
       <p:ext uri="{BB962C8B-B14F-4D97-AF65-F5344CB8AC3E}">
-        <p14:creationId xmlns:p14="http://schemas.microsoft.com/office/powerpoint/2010/main" xmlns="" val="3436223543"/>
+        <p14:creationId xmlns:p14="http://schemas.microsoft.com/office/powerpoint/2010/main" val="3436223543"/>
       </p:ext>
     </p:extLst>
   </p:cSld>
@@ -2146,7 +1927,7 @@
           <a:lstStyle/>
           <a:p>
             <a:r>
-              <a:rPr lang="en-US" dirty="0" smtClean="0"/>
+              <a:rPr lang="en-US" dirty="0"/>
               <a:t>React JS</a:t>
             </a:r>
             <a:endParaRPr lang="uk-UA" dirty="0"/>
@@ -2179,48 +1960,22 @@
           </a:p>
         </p:txBody>
       </p:sp>
-      <p:pic>
-        <p:nvPicPr>
-          <p:cNvPr id="5122" name="Picture 2" descr="http://moduscreate.com/wp-content/uploads/2014/03/react-opti.png"/>
-          <p:cNvPicPr>
-            <a:picLocks noChangeAspect="1" noChangeArrowheads="1"/>
-          </p:cNvPicPr>
+      <p:sp>
+        <p:nvSpPr>
+          <p:cNvPr id="7" name="TextBox 6"/>
+          <p:cNvSpPr txBox="1"/>
           <p:nvPr/>
-        </p:nvPicPr>
-        <p:blipFill>
-          <a:blip r:embed="rId2" cstate="print"/>
-          <a:srcRect/>
-          <a:stretch>
-            <a:fillRect/>
-          </a:stretch>
-        </p:blipFill>
-        <p:spPr bwMode="auto">
+        </p:nvSpPr>
+        <p:spPr>
           <a:xfrm>
-            <a:off x="2483768" y="1052736"/>
-            <a:ext cx="3613398" cy="1005729"/>
+            <a:off x="683568" y="1347733"/>
+            <a:ext cx="7704856" cy="2585323"/>
           </a:xfrm>
           <a:prstGeom prst="rect">
             <a:avLst/>
           </a:prstGeom>
           <a:noFill/>
         </p:spPr>
-      </p:pic>
-      <p:sp>
-        <p:nvSpPr>
-          <p:cNvPr id="7" name="TextBox 6"/>
-          <p:cNvSpPr txBox="1"/>
-          <p:nvPr/>
-        </p:nvSpPr>
-        <p:spPr>
-          <a:xfrm>
-            <a:off x="683568" y="2204864"/>
-            <a:ext cx="7704856" cy="4339650"/>
-          </a:xfrm>
-          <a:prstGeom prst="rect">
-            <a:avLst/>
-          </a:prstGeom>
-          <a:noFill/>
-        </p:spPr>
         <p:txBody>
           <a:bodyPr wrap="square" rtlCol="0">
             <a:spAutoFit/>
@@ -2232,49 +1987,49 @@
               <a:buChar char="•"/>
             </a:pPr>
             <a:r>
-              <a:rPr lang="en-US" sz="2400" dirty="0" err="1" smtClean="0">
+              <a:rPr lang="en-US" dirty="0" err="1">
                 <a:latin typeface="Calibri" pitchFamily="34" charset="0"/>
               </a:rPr>
               <a:t>ReactJS</a:t>
             </a:r>
             <a:r>
-              <a:rPr lang="en-US" sz="2400" dirty="0" smtClean="0">
+              <a:rPr lang="en-US" dirty="0">
                 <a:latin typeface="Calibri" pitchFamily="34" charset="0"/>
               </a:rPr>
               <a:t> – JavaScript-</a:t>
             </a:r>
             <a:r>
-              <a:rPr lang="ru-RU" sz="2400" dirty="0" smtClean="0">
+              <a:rPr lang="ru-RU" dirty="0">
                 <a:latin typeface="Calibri" pitchFamily="34" charset="0"/>
               </a:rPr>
               <a:t>библиотека для создания пользовательских интерфейсов, разработанная </a:t>
             </a:r>
             <a:r>
-              <a:rPr lang="en-US" sz="2400" dirty="0" err="1" smtClean="0">
+              <a:rPr lang="en-US" dirty="0" err="1">
                 <a:latin typeface="Calibri" pitchFamily="34" charset="0"/>
               </a:rPr>
               <a:t>Facebook</a:t>
             </a:r>
             <a:r>
-              <a:rPr lang="en-US" sz="2400" dirty="0" smtClean="0">
+              <a:rPr lang="en-US" dirty="0">
                 <a:latin typeface="Calibri" pitchFamily="34" charset="0"/>
               </a:rPr>
               <a:t> </a:t>
             </a:r>
             <a:r>
-              <a:rPr lang="ru-RU" sz="2400" dirty="0" smtClean="0">
+              <a:rPr lang="ru-RU" dirty="0">
                 <a:latin typeface="Calibri" pitchFamily="34" charset="0"/>
               </a:rPr>
               <a:t>и </a:t>
             </a:r>
             <a:r>
-              <a:rPr lang="en-US" sz="2400" dirty="0" err="1" smtClean="0">
+              <a:rPr lang="en-US" dirty="0" err="1">
                 <a:latin typeface="Calibri" pitchFamily="34" charset="0"/>
               </a:rPr>
               <a:t>Instagram</a:t>
             </a:r>
             <a:r>
-              <a:rPr lang="en-US" sz="2400" dirty="0" smtClean="0">
+              <a:rPr lang="en-US" dirty="0">
                 <a:latin typeface="Calibri" pitchFamily="34" charset="0"/>
               </a:rPr>
               <a:t>. </a:t>
@@ -2282,7 +2037,7 @@
           </a:p>
           <a:p>
             <a:pPr marL="342900" indent="-342900"/>
-            <a:endParaRPr lang="en-US" sz="2400" dirty="0" smtClean="0">
+            <a:endParaRPr lang="en-US" dirty="0">
               <a:latin typeface="Calibri" pitchFamily="34" charset="0"/>
             </a:endParaRPr>
           </a:p>
@@ -2292,96 +2047,96 @@
               <a:buChar char="•"/>
             </a:pPr>
             <a:r>
-              <a:rPr lang="en-US" sz="2400" dirty="0" err="1" smtClean="0">
+              <a:rPr lang="en-US" dirty="0" err="1">
                 <a:latin typeface="Calibri" pitchFamily="34" charset="0"/>
               </a:rPr>
               <a:t>ReacJS</a:t>
             </a:r>
             <a:r>
-              <a:rPr lang="en-US" sz="2400" dirty="0" smtClean="0">
+              <a:rPr lang="en-US" dirty="0">
                 <a:latin typeface="Calibri" pitchFamily="34" charset="0"/>
               </a:rPr>
               <a:t> </a:t>
             </a:r>
             <a:r>
-              <a:rPr lang="ru-RU" sz="2400" dirty="0" smtClean="0">
+              <a:rPr lang="ru-RU" dirty="0">
                 <a:latin typeface="Calibri" pitchFamily="34" charset="0"/>
               </a:rPr>
               <a:t>можно описать как </a:t>
             </a:r>
             <a:r>
-              <a:rPr lang="en-US" sz="2400" b="1" dirty="0" smtClean="0">
+              <a:rPr lang="en-US" b="1" dirty="0">
                 <a:latin typeface="Calibri" pitchFamily="34" charset="0"/>
               </a:rPr>
               <a:t>V</a:t>
             </a:r>
             <a:r>
-              <a:rPr lang="en-US" sz="2400" dirty="0" smtClean="0">
+              <a:rPr lang="en-US" dirty="0">
                 <a:latin typeface="Calibri" pitchFamily="34" charset="0"/>
               </a:rPr>
               <a:t> </a:t>
             </a:r>
             <a:r>
-              <a:rPr lang="ru-RU" sz="2400" dirty="0" smtClean="0">
+              <a:rPr lang="ru-RU" dirty="0">
                 <a:latin typeface="Calibri" pitchFamily="34" charset="0"/>
               </a:rPr>
               <a:t>в </a:t>
             </a:r>
             <a:r>
-              <a:rPr lang="en-US" sz="2400" dirty="0" smtClean="0">
+              <a:rPr lang="en-US" dirty="0">
                 <a:latin typeface="Calibri" pitchFamily="34" charset="0"/>
               </a:rPr>
               <a:t>M</a:t>
             </a:r>
             <a:r>
-              <a:rPr lang="en-US" sz="2400" b="1" dirty="0" smtClean="0">
+              <a:rPr lang="en-US" b="1" dirty="0">
                 <a:latin typeface="Calibri" pitchFamily="34" charset="0"/>
               </a:rPr>
               <a:t>V</a:t>
             </a:r>
             <a:r>
-              <a:rPr lang="en-US" sz="2400" dirty="0" smtClean="0">
+              <a:rPr lang="en-US" dirty="0">
                 <a:latin typeface="Calibri" pitchFamily="34" charset="0"/>
               </a:rPr>
               <a:t>C(</a:t>
             </a:r>
             <a:r>
-              <a:rPr lang="en-US" sz="2400" b="1" dirty="0" smtClean="0">
+              <a:rPr lang="en-US" b="1" dirty="0">
                 <a:latin typeface="Calibri" pitchFamily="34" charset="0"/>
               </a:rPr>
               <a:t>View</a:t>
             </a:r>
             <a:r>
-              <a:rPr lang="en-US" sz="2400" dirty="0" smtClean="0">
+              <a:rPr lang="en-US" dirty="0">
                 <a:latin typeface="Calibri" pitchFamily="34" charset="0"/>
               </a:rPr>
               <a:t> </a:t>
             </a:r>
             <a:r>
-              <a:rPr lang="ru-RU" sz="2400" dirty="0" smtClean="0">
+              <a:rPr lang="ru-RU" dirty="0">
                 <a:latin typeface="Calibri" pitchFamily="34" charset="0"/>
               </a:rPr>
               <a:t>в </a:t>
             </a:r>
             <a:r>
-              <a:rPr lang="en-US" sz="2400" dirty="0" smtClean="0">
+              <a:rPr lang="en-US" dirty="0">
                 <a:latin typeface="Calibri" pitchFamily="34" charset="0"/>
               </a:rPr>
               <a:t>Model </a:t>
             </a:r>
             <a:r>
-              <a:rPr lang="en-US" sz="2400" b="1" dirty="0" smtClean="0">
+              <a:rPr lang="en-US" b="1" dirty="0">
                 <a:latin typeface="Calibri" pitchFamily="34" charset="0"/>
               </a:rPr>
               <a:t>View</a:t>
             </a:r>
             <a:r>
-              <a:rPr lang="en-US" sz="2400" dirty="0" smtClean="0">
+              <a:rPr lang="en-US" dirty="0">
                 <a:latin typeface="Calibri" pitchFamily="34" charset="0"/>
               </a:rPr>
               <a:t> Controller)</a:t>
             </a:r>
-            <a:endParaRPr lang="uk-UA" sz="2400" dirty="0" smtClean="0">
+            <a:endParaRPr lang="uk-UA" dirty="0">
               <a:latin typeface="Calibri" pitchFamily="34" charset="0"/>
             </a:endParaRPr>
           </a:p>
@@ -2390,7 +2145,7 @@
               <a:buFont typeface="Arial" pitchFamily="34" charset="0"/>
               <a:buChar char="•"/>
             </a:pPr>
-            <a:endParaRPr lang="en-US" sz="2400" dirty="0" smtClean="0">
+            <a:endParaRPr lang="en-US" dirty="0">
               <a:latin typeface="Calibri" pitchFamily="34" charset="0"/>
             </a:endParaRPr>
           </a:p>
@@ -2400,43 +2155,43 @@
               <a:buChar char="•"/>
             </a:pPr>
             <a:r>
-              <a:rPr lang="en-US" sz="2400" dirty="0" err="1" smtClean="0">
+              <a:rPr lang="en-US" dirty="0" err="1">
                 <a:latin typeface="Calibri" pitchFamily="34" charset="0"/>
               </a:rPr>
               <a:t>ReactJS</a:t>
             </a:r>
             <a:r>
-              <a:rPr lang="en-US" sz="2400" dirty="0" smtClean="0">
+              <a:rPr lang="en-US" dirty="0">
                 <a:latin typeface="Calibri" pitchFamily="34" charset="0"/>
               </a:rPr>
               <a:t> </a:t>
             </a:r>
             <a:r>
-              <a:rPr lang="ru-RU" sz="2400" dirty="0" smtClean="0">
+              <a:rPr lang="ru-RU" dirty="0">
                 <a:latin typeface="Calibri" pitchFamily="34" charset="0"/>
               </a:rPr>
               <a:t>был создан чтобы решить одну задачу</a:t>
             </a:r>
             <a:r>
-              <a:rPr lang="en-US" sz="2400" dirty="0" smtClean="0">
+              <a:rPr lang="en-US" dirty="0">
                 <a:latin typeface="Calibri" pitchFamily="34" charset="0"/>
               </a:rPr>
               <a:t>: </a:t>
             </a:r>
             <a:r>
-              <a:rPr lang="ru-RU" sz="2400" dirty="0" smtClean="0">
+              <a:rPr lang="ru-RU" dirty="0">
                 <a:latin typeface="Calibri" pitchFamily="34" charset="0"/>
               </a:rPr>
               <a:t>создание больших </a:t>
             </a:r>
             <a:r>
-              <a:rPr lang="ru-RU" sz="2400" dirty="0" err="1" smtClean="0">
+              <a:rPr lang="ru-RU" dirty="0" err="1">
                 <a:latin typeface="Calibri" pitchFamily="34" charset="0"/>
               </a:rPr>
               <a:t>приложенией</a:t>
             </a:r>
             <a:r>
-              <a:rPr lang="ru-RU" sz="2400" dirty="0" smtClean="0">
+              <a:rPr lang="ru-RU" dirty="0">
                 <a:latin typeface="Calibri" pitchFamily="34" charset="0"/>
               </a:rPr>
               <a:t> на основе данных, которые со временем меняются. </a:t>
@@ -2447,14 +2202,18 @@
               <a:buFont typeface="Arial" pitchFamily="34" charset="0"/>
               <a:buChar char="•"/>
             </a:pPr>
-            <a:endParaRPr lang="ru-RU" dirty="0"/>
+            <a:endParaRPr lang="ru-RU" dirty="0">
+              <a:latin typeface="Calibri" panose="020F0502020204030204" pitchFamily="34" charset="0"/>
+            </a:endParaRPr>
           </a:p>
           <a:p>
             <a:pPr marL="342900" indent="-342900">
               <a:buFont typeface="Arial" pitchFamily="34" charset="0"/>
               <a:buChar char="•"/>
             </a:pPr>
-            <a:endParaRPr lang="ru-RU" dirty="0" smtClean="0"/>
+            <a:endParaRPr lang="ru-RU" dirty="0">
+              <a:latin typeface="Calibri" panose="020F0502020204030204" pitchFamily="34" charset="0"/>
+            </a:endParaRPr>
           </a:p>
         </p:txBody>
       </p:sp>
@@ -2499,7 +2258,7 @@
           <a:lstStyle/>
           <a:p>
             <a:r>
-              <a:rPr lang="en-US" dirty="0" smtClean="0"/>
+              <a:rPr lang="en-US" dirty="0"/>
               <a:t>React JS</a:t>
             </a:r>
             <a:endParaRPr lang="uk-UA" dirty="0"/>
@@ -2514,8 +2273,8 @@
         </p:nvSpPr>
         <p:spPr>
           <a:xfrm>
-            <a:off x="539552" y="1556792"/>
-            <a:ext cx="7920880" cy="3908762"/>
+            <a:off x="457200" y="1380832"/>
+            <a:ext cx="7920880" cy="3416320"/>
           </a:xfrm>
           <a:prstGeom prst="rect">
             <a:avLst/>
@@ -2530,26 +2289,38 @@
           <a:p>
             <a:pPr algn="ctr"/>
             <a:r>
-              <a:rPr lang="ru-RU" sz="2400" dirty="0" smtClean="0"/>
+              <a:rPr lang="ru-RU" dirty="0">
+                <a:latin typeface="Calibri" panose="020F0502020204030204" pitchFamily="34" charset="0"/>
+              </a:rPr>
               <a:t>Преимущества </a:t>
             </a:r>
             <a:r>
-              <a:rPr lang="en-US" sz="2400" dirty="0" err="1" smtClean="0"/>
+              <a:rPr lang="en-US" dirty="0" err="1">
+                <a:latin typeface="Calibri" panose="020F0502020204030204" pitchFamily="34" charset="0"/>
+              </a:rPr>
               <a:t>ReactJS</a:t>
             </a:r>
             <a:r>
-              <a:rPr lang="en-US" sz="2400" dirty="0" smtClean="0"/>
+              <a:rPr lang="en-US" dirty="0">
+                <a:latin typeface="Calibri" panose="020F0502020204030204" pitchFamily="34" charset="0"/>
+              </a:rPr>
               <a:t>:</a:t>
             </a:r>
-            <a:endParaRPr lang="ru-RU" sz="2400" dirty="0" smtClean="0"/>
+            <a:endParaRPr lang="ru-RU" dirty="0">
+              <a:latin typeface="Calibri" panose="020F0502020204030204" pitchFamily="34" charset="0"/>
+            </a:endParaRPr>
           </a:p>
           <a:p>
             <a:pPr algn="ctr"/>
-            <a:endParaRPr lang="ru-RU" sz="2400" dirty="0" smtClean="0"/>
+            <a:endParaRPr lang="ru-RU" dirty="0">
+              <a:latin typeface="Calibri" panose="020F0502020204030204" pitchFamily="34" charset="0"/>
+            </a:endParaRPr>
           </a:p>
           <a:p>
             <a:pPr algn="ctr"/>
-            <a:endParaRPr lang="ru-RU" sz="2000" dirty="0"/>
+            <a:endParaRPr lang="ru-RU" dirty="0">
+              <a:latin typeface="Calibri" panose="020F0502020204030204" pitchFamily="34" charset="0"/>
+            </a:endParaRPr>
           </a:p>
           <a:p>
             <a:pPr>
@@ -2557,12 +2328,16 @@
               <a:buChar char="•"/>
             </a:pPr>
             <a:r>
-              <a:rPr lang="ru-RU" sz="2000" dirty="0" smtClean="0"/>
+              <a:rPr lang="ru-RU" dirty="0">
+                <a:latin typeface="Calibri" panose="020F0502020204030204" pitchFamily="34" charset="0"/>
+              </a:rPr>
               <a:t> Высокая производительность. </a:t>
             </a:r>
           </a:p>
           <a:p>
-            <a:endParaRPr lang="ru-RU" sz="2000" dirty="0" smtClean="0"/>
+            <a:endParaRPr lang="ru-RU" dirty="0">
+              <a:latin typeface="Calibri" panose="020F0502020204030204" pitchFamily="34" charset="0"/>
+            </a:endParaRPr>
           </a:p>
           <a:p>
             <a:pPr>
@@ -2570,15 +2345,21 @@
               <a:buChar char="•"/>
             </a:pPr>
             <a:r>
-              <a:rPr lang="ru-RU" sz="2000" dirty="0" smtClean="0"/>
+              <a:rPr lang="ru-RU" dirty="0">
+                <a:latin typeface="Calibri" panose="020F0502020204030204" pitchFamily="34" charset="0"/>
+              </a:rPr>
               <a:t> Совмещение генерации </a:t>
             </a:r>
             <a:r>
-              <a:rPr lang="en-US" sz="2000" dirty="0" smtClean="0"/>
+              <a:rPr lang="en-US" dirty="0">
+                <a:latin typeface="Calibri" panose="020F0502020204030204" pitchFamily="34" charset="0"/>
+              </a:rPr>
               <a:t>DOM </a:t>
             </a:r>
             <a:r>
-              <a:rPr lang="ru-RU" sz="2000" dirty="0" smtClean="0"/>
+              <a:rPr lang="ru-RU" dirty="0">
+                <a:latin typeface="Calibri" panose="020F0502020204030204" pitchFamily="34" charset="0"/>
+              </a:rPr>
               <a:t>и логики отображения </a:t>
             </a:r>
           </a:p>
@@ -2587,7 +2368,9 @@
               <a:buFont typeface="Arial" pitchFamily="34" charset="0"/>
               <a:buChar char="•"/>
             </a:pPr>
-            <a:endParaRPr lang="ru-RU" sz="2000" dirty="0" smtClean="0"/>
+            <a:endParaRPr lang="ru-RU" dirty="0">
+              <a:latin typeface="Calibri" panose="020F0502020204030204" pitchFamily="34" charset="0"/>
+            </a:endParaRPr>
           </a:p>
           <a:p>
             <a:pPr>
@@ -2595,15 +2378,21 @@
               <a:buChar char="•"/>
             </a:pPr>
             <a:r>
-              <a:rPr lang="ru-RU" sz="2000" dirty="0" smtClean="0"/>
+              <a:rPr lang="ru-RU" dirty="0">
+                <a:latin typeface="Calibri" panose="020F0502020204030204" pitchFamily="34" charset="0"/>
+              </a:rPr>
               <a:t> Возможность многократного использования </a:t>
             </a:r>
             <a:r>
-              <a:rPr lang="en-US" sz="2000" dirty="0" smtClean="0"/>
+              <a:rPr lang="en-US" dirty="0">
+                <a:latin typeface="Calibri" panose="020F0502020204030204" pitchFamily="34" charset="0"/>
+              </a:rPr>
               <a:t>React </a:t>
             </a:r>
             <a:r>
-              <a:rPr lang="ru-RU" sz="2000" dirty="0" smtClean="0"/>
+              <a:rPr lang="ru-RU" dirty="0">
+                <a:latin typeface="Calibri" panose="020F0502020204030204" pitchFamily="34" charset="0"/>
+              </a:rPr>
               <a:t>компонентов </a:t>
             </a:r>
           </a:p>
@@ -2612,7 +2401,9 @@
               <a:buFont typeface="Arial" pitchFamily="34" charset="0"/>
               <a:buChar char="•"/>
             </a:pPr>
-            <a:endParaRPr lang="ru-RU" sz="2000" dirty="0" smtClean="0"/>
+            <a:endParaRPr lang="ru-RU" dirty="0">
+              <a:latin typeface="Calibri" panose="020F0502020204030204" pitchFamily="34" charset="0"/>
+            </a:endParaRPr>
           </a:p>
           <a:p>
             <a:pPr>
@@ -2620,39 +2411,57 @@
               <a:buChar char="•"/>
             </a:pPr>
             <a:r>
-              <a:rPr lang="ru-RU" sz="2000" dirty="0" smtClean="0"/>
+              <a:rPr lang="ru-RU" dirty="0">
+                <a:latin typeface="Calibri" panose="020F0502020204030204" pitchFamily="34" charset="0"/>
+              </a:rPr>
               <a:t> Так как </a:t>
             </a:r>
             <a:r>
-              <a:rPr lang="en-US" sz="2000" dirty="0" err="1" smtClean="0"/>
+              <a:rPr lang="en-US" dirty="0" err="1">
+                <a:latin typeface="Calibri" panose="020F0502020204030204" pitchFamily="34" charset="0"/>
+              </a:rPr>
               <a:t>ReactJS</a:t>
             </a:r>
             <a:r>
-              <a:rPr lang="en-US" sz="2000" dirty="0" smtClean="0"/>
+              <a:rPr lang="en-US" dirty="0">
+                <a:latin typeface="Calibri" panose="020F0502020204030204" pitchFamily="34" charset="0"/>
+              </a:rPr>
               <a:t> </a:t>
             </a:r>
             <a:r>
-              <a:rPr lang="ru-RU" sz="2000" dirty="0" smtClean="0"/>
+              <a:rPr lang="ru-RU" dirty="0">
+                <a:latin typeface="Calibri" panose="020F0502020204030204" pitchFamily="34" charset="0"/>
+              </a:rPr>
               <a:t>не является </a:t>
             </a:r>
             <a:r>
-              <a:rPr lang="en-US" sz="2000" dirty="0" smtClean="0"/>
+              <a:rPr lang="en-US" dirty="0">
+                <a:latin typeface="Calibri" panose="020F0502020204030204" pitchFamily="34" charset="0"/>
+              </a:rPr>
               <a:t>MVC </a:t>
             </a:r>
             <a:r>
-              <a:rPr lang="ru-RU" sz="2000" dirty="0" err="1" smtClean="0"/>
+              <a:rPr lang="ru-RU" dirty="0" err="1">
+                <a:latin typeface="Calibri" panose="020F0502020204030204" pitchFamily="34" charset="0"/>
+              </a:rPr>
               <a:t>фреймворком</a:t>
             </a:r>
             <a:r>
-              <a:rPr lang="ru-RU" sz="2000" dirty="0" smtClean="0"/>
+              <a:rPr lang="ru-RU" dirty="0">
+                <a:latin typeface="Calibri" panose="020F0502020204030204" pitchFamily="34" charset="0"/>
+              </a:rPr>
               <a:t>, а отвечает только за </a:t>
             </a:r>
             <a:r>
-              <a:rPr lang="ru-RU" sz="2000" dirty="0" err="1" smtClean="0"/>
+              <a:rPr lang="ru-RU" dirty="0" err="1">
+                <a:latin typeface="Calibri" panose="020F0502020204030204" pitchFamily="34" charset="0"/>
+              </a:rPr>
               <a:t>рендеринг</a:t>
             </a:r>
             <a:r>
-              <a:rPr lang="ru-RU" sz="2000" dirty="0" smtClean="0"/>
+              <a:rPr lang="ru-RU" dirty="0">
+                <a:latin typeface="Calibri" panose="020F0502020204030204" pitchFamily="34" charset="0"/>
+              </a:rPr>
               <a:t> представления, он обладает большой гибкостью и легко совмещается с другими системами. </a:t>
             </a:r>
           </a:p>
@@ -2699,7 +2508,7 @@
           <a:lstStyle/>
           <a:p>
             <a:r>
-              <a:rPr lang="en-US" dirty="0" smtClean="0"/>
+              <a:rPr lang="en-US" dirty="0"/>
               <a:t>Virtual DOM</a:t>
             </a:r>
             <a:endParaRPr lang="uk-UA" dirty="0"/>
@@ -2723,108 +2532,108 @@
           <a:p>
             <a:pPr algn="just"/>
             <a:r>
-              <a:rPr lang="ru-RU" sz="2400" b="1" dirty="0" err="1" smtClean="0">
+              <a:rPr lang="ru-RU" sz="1800" b="1" dirty="0" err="1">
                 <a:latin typeface="Calibri" pitchFamily="34" charset="0"/>
               </a:rPr>
               <a:t>Virtual</a:t>
             </a:r>
             <a:r>
-              <a:rPr lang="ru-RU" sz="2400" b="1" dirty="0" smtClean="0">
+              <a:rPr lang="ru-RU" sz="1800" b="1" dirty="0">
                 <a:latin typeface="Calibri" pitchFamily="34" charset="0"/>
               </a:rPr>
               <a:t> DOM</a:t>
             </a:r>
             <a:r>
-              <a:rPr lang="ru-RU" sz="2400" dirty="0" smtClean="0">
+              <a:rPr lang="ru-RU" sz="1800" dirty="0">
                 <a:latin typeface="Calibri" pitchFamily="34" charset="0"/>
               </a:rPr>
               <a:t> — это дерево </a:t>
             </a:r>
             <a:r>
-              <a:rPr lang="ru-RU" sz="2400" dirty="0" err="1" smtClean="0">
+              <a:rPr lang="ru-RU" sz="1800" dirty="0" err="1">
                 <a:latin typeface="Calibri" pitchFamily="34" charset="0"/>
               </a:rPr>
               <a:t>React</a:t>
             </a:r>
             <a:r>
-              <a:rPr lang="ru-RU" sz="2400" dirty="0" smtClean="0">
+              <a:rPr lang="ru-RU" sz="1800" dirty="0">
                 <a:latin typeface="Calibri" pitchFamily="34" charset="0"/>
               </a:rPr>
               <a:t> элементов на </a:t>
             </a:r>
             <a:r>
-              <a:rPr lang="ru-RU" sz="2400" dirty="0" err="1" smtClean="0">
+              <a:rPr lang="ru-RU" sz="1800" dirty="0" err="1">
                 <a:latin typeface="Calibri" pitchFamily="34" charset="0"/>
               </a:rPr>
               <a:t>JavaScript</a:t>
             </a:r>
             <a:r>
-              <a:rPr lang="ru-RU" sz="2400" dirty="0" smtClean="0">
+              <a:rPr lang="ru-RU" sz="1800" dirty="0">
                 <a:latin typeface="Calibri" pitchFamily="34" charset="0"/>
               </a:rPr>
               <a:t>. </a:t>
             </a:r>
             <a:r>
-              <a:rPr lang="ru-RU" sz="2400" dirty="0" err="1" smtClean="0">
+              <a:rPr lang="ru-RU" sz="1800" dirty="0" err="1">
                 <a:latin typeface="Calibri" pitchFamily="34" charset="0"/>
               </a:rPr>
               <a:t>React</a:t>
             </a:r>
             <a:r>
-              <a:rPr lang="ru-RU" sz="2400" dirty="0" smtClean="0">
+              <a:rPr lang="ru-RU" sz="1800" dirty="0">
                 <a:latin typeface="Calibri" pitchFamily="34" charset="0"/>
               </a:rPr>
               <a:t> </a:t>
             </a:r>
             <a:r>
-              <a:rPr lang="ru-RU" sz="2400" dirty="0" err="1" smtClean="0">
+              <a:rPr lang="ru-RU" sz="1800" dirty="0" err="1">
                 <a:latin typeface="Calibri" pitchFamily="34" charset="0"/>
               </a:rPr>
               <a:t>отрисовывает</a:t>
             </a:r>
             <a:r>
-              <a:rPr lang="ru-RU" sz="2400" dirty="0" smtClean="0">
+              <a:rPr lang="ru-RU" sz="1800" dirty="0">
                 <a:latin typeface="Calibri" pitchFamily="34" charset="0"/>
               </a:rPr>
               <a:t> </a:t>
             </a:r>
             <a:r>
-              <a:rPr lang="ru-RU" sz="2400" dirty="0" err="1" smtClean="0">
+              <a:rPr lang="ru-RU" sz="1800" dirty="0" err="1">
                 <a:latin typeface="Calibri" pitchFamily="34" charset="0"/>
               </a:rPr>
               <a:t>Virtual</a:t>
             </a:r>
             <a:r>
-              <a:rPr lang="ru-RU" sz="2400" dirty="0" smtClean="0">
+              <a:rPr lang="ru-RU" sz="1800" dirty="0">
                 <a:latin typeface="Calibri" pitchFamily="34" charset="0"/>
               </a:rPr>
               <a:t> DOM в браузере, чтоб сделать интерфейс видимым. </a:t>
             </a:r>
             <a:r>
-              <a:rPr lang="ru-RU" sz="2400" dirty="0" err="1" smtClean="0">
+              <a:rPr lang="ru-RU" sz="1800" dirty="0" err="1">
                 <a:latin typeface="Calibri" pitchFamily="34" charset="0"/>
               </a:rPr>
               <a:t>React</a:t>
             </a:r>
             <a:r>
-              <a:rPr lang="ru-RU" sz="2400" dirty="0" smtClean="0">
+              <a:rPr lang="ru-RU" sz="1800" dirty="0">
                 <a:latin typeface="Calibri" pitchFamily="34" charset="0"/>
               </a:rPr>
               <a:t> следит за изменениями в </a:t>
             </a:r>
             <a:r>
-              <a:rPr lang="ru-RU" sz="2400" dirty="0" err="1" smtClean="0">
+              <a:rPr lang="ru-RU" sz="1800" dirty="0" err="1">
                 <a:latin typeface="Calibri" pitchFamily="34" charset="0"/>
               </a:rPr>
               <a:t>Virtual</a:t>
             </a:r>
             <a:r>
-              <a:rPr lang="ru-RU" sz="2400" dirty="0" smtClean="0">
+              <a:rPr lang="ru-RU" sz="1800" dirty="0">
                 <a:latin typeface="Calibri" pitchFamily="34" charset="0"/>
               </a:rPr>
               <a:t> DOM и автоматически изменяет DOM в браузере так, чтоб он соответствовал виртуальному.</a:t>
             </a:r>
-            <a:endParaRPr lang="uk-UA" sz="2400" dirty="0">
+            <a:endParaRPr lang="uk-UA" sz="1800" dirty="0">
               <a:latin typeface="Calibri" pitchFamily="34" charset="0"/>
             </a:endParaRPr>
           </a:p>
@@ -2871,7 +2680,7 @@
           <a:lstStyle/>
           <a:p>
             <a:r>
-              <a:rPr lang="en-US" dirty="0" smtClean="0"/>
+              <a:rPr lang="en-US" dirty="0"/>
               <a:t>JSX</a:t>
             </a:r>
             <a:endParaRPr lang="uk-UA" dirty="0"/>
@@ -2913,7 +2722,7 @@
         <p:spPr>
           <a:xfrm>
             <a:off x="683568" y="1268760"/>
-            <a:ext cx="7632848" cy="3139321"/>
+            <a:ext cx="7632848" cy="2862322"/>
           </a:xfrm>
           <a:prstGeom prst="rect">
             <a:avLst/>
@@ -2927,158 +2736,218 @@
           <a:lstStyle/>
           <a:p>
             <a:r>
-              <a:rPr lang="ru-RU" dirty="0"/>
+              <a:rPr lang="ru-RU" dirty="0">
+                <a:latin typeface="Calibri" panose="020F0502020204030204" pitchFamily="34" charset="0"/>
+              </a:rPr>
               <a:t>JSX это расширение синтаксиса </a:t>
             </a:r>
             <a:r>
-              <a:rPr lang="ru-RU" dirty="0" err="1"/>
+              <a:rPr lang="ru-RU" dirty="0" err="1">
+                <a:latin typeface="Calibri" panose="020F0502020204030204" pitchFamily="34" charset="0"/>
+              </a:rPr>
               <a:t>JavaScript</a:t>
             </a:r>
             <a:r>
-              <a:rPr lang="ru-RU" dirty="0"/>
+              <a:rPr lang="ru-RU" dirty="0">
+                <a:latin typeface="Calibri" panose="020F0502020204030204" pitchFamily="34" charset="0"/>
+              </a:rPr>
               <a:t>, которое выглядит подобно XML.  </a:t>
             </a:r>
-            <a:endParaRPr lang="en-US" dirty="0" smtClean="0"/>
-          </a:p>
-          <a:p>
-            <a:endParaRPr lang="en-US" dirty="0"/>
-          </a:p>
-          <a:p>
-            <a:r>
-              <a:rPr lang="ru-RU" dirty="0" err="1" smtClean="0"/>
+            <a:endParaRPr lang="en-US" dirty="0">
+              <a:latin typeface="Calibri" panose="020F0502020204030204" pitchFamily="34" charset="0"/>
+            </a:endParaRPr>
+          </a:p>
+          <a:p>
+            <a:endParaRPr lang="en-US" dirty="0">
+              <a:latin typeface="Calibri" panose="020F0502020204030204" pitchFamily="34" charset="0"/>
+            </a:endParaRPr>
+          </a:p>
+          <a:p>
+            <a:r>
+              <a:rPr lang="ru-RU" dirty="0" err="1">
+                <a:latin typeface="Calibri" panose="020F0502020204030204" pitchFamily="34" charset="0"/>
+              </a:rPr>
               <a:t>React</a:t>
             </a:r>
             <a:r>
-              <a:rPr lang="ru-RU" dirty="0" smtClean="0"/>
+              <a:rPr lang="ru-RU" dirty="0">
+                <a:latin typeface="Calibri" panose="020F0502020204030204" pitchFamily="34" charset="0"/>
+              </a:rPr>
+              <a:t> работает и без JSX, но именно JSX позволяет сделать код </a:t>
+            </a:r>
+            <a:r>
+              <a:rPr lang="en-US" dirty="0">
+                <a:latin typeface="Calibri" panose="020F0502020204030204" pitchFamily="34" charset="0"/>
+              </a:rPr>
+              <a:t>React </a:t>
+            </a:r>
+            <a:r>
+              <a:rPr lang="ru-RU" dirty="0">
+                <a:latin typeface="Calibri" panose="020F0502020204030204" pitchFamily="34" charset="0"/>
+              </a:rPr>
+              <a:t>компонентов более читабельным. </a:t>
+            </a:r>
+          </a:p>
+          <a:p>
+            <a:endParaRPr lang="ru-RU" dirty="0">
+              <a:latin typeface="Calibri" panose="020F0502020204030204" pitchFamily="34" charset="0"/>
+            </a:endParaRPr>
+          </a:p>
+          <a:p>
+            <a:r>
+              <a:rPr lang="ru-RU" dirty="0">
+                <a:latin typeface="Calibri" panose="020F0502020204030204" pitchFamily="34" charset="0"/>
+              </a:rPr>
+              <a:t>При использовании </a:t>
+            </a:r>
+            <a:r>
+              <a:rPr lang="en-US" dirty="0">
+                <a:latin typeface="Calibri" panose="020F0502020204030204" pitchFamily="34" charset="0"/>
+              </a:rPr>
+              <a:t>JSX </a:t>
+            </a:r>
+            <a:r>
+              <a:rPr lang="ru-RU" dirty="0">
+                <a:latin typeface="Calibri" panose="020F0502020204030204" pitchFamily="34" charset="0"/>
+              </a:rPr>
+              <a:t>с </a:t>
+            </a:r>
+            <a:r>
+              <a:rPr lang="en-US" dirty="0">
+                <a:latin typeface="Calibri" panose="020F0502020204030204" pitchFamily="34" charset="0"/>
+              </a:rPr>
+              <a:t>React JSX </a:t>
+            </a:r>
+            <a:r>
+              <a:rPr lang="uk-UA" dirty="0" err="1">
+                <a:latin typeface="Calibri" panose="020F0502020204030204" pitchFamily="34" charset="0"/>
+              </a:rPr>
+              <a:t>трансформирует</a:t>
+            </a:r>
+            <a:r>
+              <a:rPr lang="uk-UA" dirty="0">
+                <a:latin typeface="Calibri" panose="020F0502020204030204" pitchFamily="34" charset="0"/>
+              </a:rPr>
               <a:t> </a:t>
             </a:r>
             <a:r>
-              <a:rPr lang="ru-RU" dirty="0"/>
-              <a:t>работает и без JSX, но именно JSX </a:t>
-            </a:r>
-            <a:r>
-              <a:rPr lang="ru-RU" dirty="0" smtClean="0"/>
-              <a:t>позволяет сделать код </a:t>
-            </a:r>
-            <a:r>
-              <a:rPr lang="en-US" dirty="0" smtClean="0"/>
-              <a:t>React </a:t>
-            </a:r>
-            <a:r>
-              <a:rPr lang="ru-RU" dirty="0" smtClean="0"/>
-              <a:t>компонентов более читабельным. </a:t>
-            </a:r>
-          </a:p>
-          <a:p>
-            <a:endParaRPr lang="ru-RU" dirty="0"/>
-          </a:p>
-          <a:p>
-            <a:r>
-              <a:rPr lang="ru-RU" dirty="0" smtClean="0"/>
-              <a:t>При использовании </a:t>
-            </a:r>
-            <a:r>
-              <a:rPr lang="en-US" dirty="0" smtClean="0"/>
-              <a:t>JSX </a:t>
-            </a:r>
-            <a:r>
-              <a:rPr lang="ru-RU" dirty="0" smtClean="0"/>
-              <a:t>с </a:t>
-            </a:r>
-            <a:r>
-              <a:rPr lang="en-US" dirty="0" smtClean="0"/>
-              <a:t>React </a:t>
-            </a:r>
-            <a:r>
-              <a:rPr lang="en-US" dirty="0"/>
-              <a:t>JSX </a:t>
-            </a:r>
-            <a:r>
-              <a:rPr lang="uk-UA" dirty="0" err="1"/>
-              <a:t>трансформирует</a:t>
-            </a:r>
-            <a:r>
-              <a:rPr lang="uk-UA" dirty="0"/>
+              <a:rPr lang="en-US" dirty="0">
+                <a:latin typeface="Calibri" panose="020F0502020204030204" pitchFamily="34" charset="0"/>
+              </a:rPr>
+              <a:t>XML-</a:t>
+            </a:r>
+            <a:r>
+              <a:rPr lang="uk-UA" dirty="0" err="1">
+                <a:latin typeface="Calibri" panose="020F0502020204030204" pitchFamily="34" charset="0"/>
+              </a:rPr>
+              <a:t>подобный</a:t>
+            </a:r>
+            <a:r>
+              <a:rPr lang="uk-UA" dirty="0">
+                <a:latin typeface="Calibri" panose="020F0502020204030204" pitchFamily="34" charset="0"/>
+              </a:rPr>
+              <a:t> синтаксис в </a:t>
+            </a:r>
+            <a:r>
+              <a:rPr lang="en-US" dirty="0">
+                <a:latin typeface="Calibri" panose="020F0502020204030204" pitchFamily="34" charset="0"/>
+              </a:rPr>
+              <a:t>JavaScript. XML </a:t>
+            </a:r>
+            <a:r>
+              <a:rPr lang="uk-UA" dirty="0" err="1">
+                <a:latin typeface="Calibri" panose="020F0502020204030204" pitchFamily="34" charset="0"/>
+              </a:rPr>
+              <a:t>элементы</a:t>
+            </a:r>
+            <a:r>
+              <a:rPr lang="uk-UA" dirty="0">
+                <a:latin typeface="Calibri" panose="020F0502020204030204" pitchFamily="34" charset="0"/>
+              </a:rPr>
+              <a:t>, </a:t>
+            </a:r>
+            <a:r>
+              <a:rPr lang="uk-UA" dirty="0" err="1">
+                <a:latin typeface="Calibri" panose="020F0502020204030204" pitchFamily="34" charset="0"/>
+              </a:rPr>
+              <a:t>атрибуты</a:t>
+            </a:r>
+            <a:r>
+              <a:rPr lang="uk-UA" dirty="0">
+                <a:latin typeface="Calibri" panose="020F0502020204030204" pitchFamily="34" charset="0"/>
+              </a:rPr>
+              <a:t> и </a:t>
+            </a:r>
+            <a:r>
+              <a:rPr lang="uk-UA" dirty="0" err="1">
+                <a:latin typeface="Calibri" panose="020F0502020204030204" pitchFamily="34" charset="0"/>
+              </a:rPr>
+              <a:t>дочерние</a:t>
+            </a:r>
+            <a:r>
+              <a:rPr lang="uk-UA" dirty="0">
+                <a:latin typeface="Calibri" panose="020F0502020204030204" pitchFamily="34" charset="0"/>
+              </a:rPr>
               <a:t> </a:t>
             </a:r>
             <a:r>
-              <a:rPr lang="en-US" dirty="0"/>
-              <a:t>XML-</a:t>
-            </a:r>
-            <a:r>
-              <a:rPr lang="uk-UA" dirty="0" err="1"/>
-              <a:t>подобный</a:t>
-            </a:r>
-            <a:r>
-              <a:rPr lang="uk-UA" dirty="0"/>
-              <a:t> синтаксис в </a:t>
-            </a:r>
-            <a:r>
-              <a:rPr lang="en-US" dirty="0"/>
-              <a:t>JavaScript. XML </a:t>
-            </a:r>
-            <a:r>
-              <a:rPr lang="uk-UA" dirty="0" err="1"/>
+              <a:rPr lang="uk-UA" dirty="0" err="1">
+                <a:latin typeface="Calibri" panose="020F0502020204030204" pitchFamily="34" charset="0"/>
+              </a:rPr>
               <a:t>элементы</a:t>
             </a:r>
             <a:r>
-              <a:rPr lang="uk-UA" dirty="0"/>
-              <a:t>, </a:t>
-            </a:r>
-            <a:r>
-              <a:rPr lang="uk-UA" dirty="0" err="1"/>
-              <a:t>атрибуты</a:t>
-            </a:r>
-            <a:r>
-              <a:rPr lang="uk-UA" dirty="0"/>
-              <a:t> и </a:t>
-            </a:r>
-            <a:r>
-              <a:rPr lang="uk-UA" dirty="0" err="1"/>
-              <a:t>дочерние</a:t>
-            </a:r>
-            <a:r>
-              <a:rPr lang="uk-UA" dirty="0"/>
+              <a:rPr lang="uk-UA" dirty="0">
+                <a:latin typeface="Calibri" panose="020F0502020204030204" pitchFamily="34" charset="0"/>
+              </a:rPr>
               <a:t> </a:t>
             </a:r>
             <a:r>
-              <a:rPr lang="uk-UA" dirty="0" err="1"/>
-              <a:t>элементы</a:t>
-            </a:r>
-            <a:r>
-              <a:rPr lang="uk-UA" dirty="0"/>
+              <a:rPr lang="uk-UA" dirty="0" err="1">
+                <a:latin typeface="Calibri" panose="020F0502020204030204" pitchFamily="34" charset="0"/>
+              </a:rPr>
+              <a:t>трансформируются</a:t>
+            </a:r>
+            <a:r>
+              <a:rPr lang="uk-UA" dirty="0">
+                <a:latin typeface="Calibri" panose="020F0502020204030204" pitchFamily="34" charset="0"/>
+              </a:rPr>
+              <a:t> в </a:t>
+            </a:r>
+            <a:r>
+              <a:rPr lang="uk-UA" dirty="0" err="1">
+                <a:latin typeface="Calibri" panose="020F0502020204030204" pitchFamily="34" charset="0"/>
+              </a:rPr>
+              <a:t>аргументы</a:t>
+            </a:r>
+            <a:r>
+              <a:rPr lang="uk-UA" dirty="0">
+                <a:latin typeface="Calibri" panose="020F0502020204030204" pitchFamily="34" charset="0"/>
+              </a:rPr>
               <a:t> </a:t>
             </a:r>
             <a:r>
-              <a:rPr lang="uk-UA" dirty="0" err="1"/>
-              <a:t>трансформируются</a:t>
-            </a:r>
-            <a:r>
-              <a:rPr lang="uk-UA" dirty="0"/>
-              <a:t> в </a:t>
-            </a:r>
-            <a:r>
-              <a:rPr lang="uk-UA" dirty="0" err="1"/>
-              <a:t>аргументы</a:t>
-            </a:r>
-            <a:r>
-              <a:rPr lang="uk-UA" dirty="0"/>
-              <a:t> </a:t>
-            </a:r>
-            <a:r>
-              <a:rPr lang="en-US" dirty="0" err="1" smtClean="0"/>
+              <a:rPr lang="en-US" dirty="0" err="1">
+                <a:latin typeface="Calibri" panose="020F0502020204030204" pitchFamily="34" charset="0"/>
+              </a:rPr>
               <a:t>React.createElement</a:t>
             </a:r>
             <a:r>
-              <a:rPr lang="en-US" dirty="0" smtClean="0"/>
+              <a:rPr lang="en-US" dirty="0">
+                <a:latin typeface="Calibri" panose="020F0502020204030204" pitchFamily="34" charset="0"/>
+              </a:rPr>
               <a:t>: </a:t>
             </a:r>
           </a:p>
           <a:p>
-            <a:endParaRPr lang="en-US" dirty="0"/>
-          </a:p>
-          <a:p>
-            <a:endParaRPr lang="uk-UA" dirty="0"/>
+            <a:endParaRPr lang="en-US" dirty="0">
+              <a:latin typeface="Calibri" panose="020F0502020204030204" pitchFamily="34" charset="0"/>
+            </a:endParaRPr>
+          </a:p>
+          <a:p>
+            <a:endParaRPr lang="uk-UA" dirty="0">
+              <a:latin typeface="Calibri" panose="020F0502020204030204" pitchFamily="34" charset="0"/>
+            </a:endParaRPr>
           </a:p>
         </p:txBody>
       </p:sp>
@@ -3118,122 +2987,160 @@
           <a:lstStyle/>
           <a:p>
             <a:r>
-              <a:rPr lang="en-US" dirty="0" err="1"/>
+              <a:rPr lang="en-US" dirty="0" err="1">
+                <a:latin typeface="Calibri" panose="020F0502020204030204" pitchFamily="34" charset="0"/>
+              </a:rPr>
               <a:t>var</a:t>
             </a:r>
             <a:r>
-              <a:rPr lang="en-US" dirty="0"/>
+              <a:rPr lang="en-US" dirty="0">
+                <a:latin typeface="Calibri" panose="020F0502020204030204" pitchFamily="34" charset="0"/>
+              </a:rPr>
               <a:t> </a:t>
             </a:r>
             <a:r>
-              <a:rPr lang="en-US" dirty="0" err="1"/>
+              <a:rPr lang="en-US" dirty="0" err="1">
+                <a:latin typeface="Calibri" panose="020F0502020204030204" pitchFamily="34" charset="0"/>
+              </a:rPr>
               <a:t>Nav</a:t>
             </a:r>
             <a:r>
-              <a:rPr lang="en-US" dirty="0"/>
+              <a:rPr lang="en-US" dirty="0">
+                <a:latin typeface="Calibri" panose="020F0502020204030204" pitchFamily="34" charset="0"/>
+              </a:rPr>
               <a:t>;</a:t>
             </a:r>
-            <a:r>
-              <a:rPr lang="en-US" dirty="0" smtClean="0"/>
-              <a:t/>
-            </a:r>
             <a:br>
-              <a:rPr lang="en-US" dirty="0" smtClean="0"/>
+              <a:rPr lang="en-US" dirty="0">
+                <a:latin typeface="Calibri" panose="020F0502020204030204" pitchFamily="34" charset="0"/>
+              </a:rPr>
             </a:br>
             <a:r>
-              <a:rPr lang="en-US" dirty="0"/>
+              <a:rPr lang="en-US" dirty="0">
+                <a:latin typeface="Calibri" panose="020F0502020204030204" pitchFamily="34" charset="0"/>
+              </a:rPr>
               <a:t>// </a:t>
             </a:r>
             <a:r>
-              <a:rPr lang="uk-UA" dirty="0"/>
+              <a:rPr lang="uk-UA" dirty="0">
+                <a:latin typeface="Calibri" panose="020F0502020204030204" pitchFamily="34" charset="0"/>
+              </a:rPr>
               <a:t>На входе (</a:t>
             </a:r>
             <a:r>
-              <a:rPr lang="en-US" dirty="0"/>
+              <a:rPr lang="en-US" dirty="0">
+                <a:latin typeface="Calibri" panose="020F0502020204030204" pitchFamily="34" charset="0"/>
+              </a:rPr>
               <a:t>JSX):</a:t>
             </a:r>
-            <a:r>
-              <a:rPr lang="en-US" dirty="0" smtClean="0"/>
-              <a:t/>
-            </a:r>
             <a:br>
-              <a:rPr lang="en-US" dirty="0" smtClean="0"/>
+              <a:rPr lang="en-US" dirty="0">
+                <a:latin typeface="Calibri" panose="020F0502020204030204" pitchFamily="34" charset="0"/>
+              </a:rPr>
             </a:br>
             <a:r>
-              <a:rPr lang="en-US" dirty="0" err="1"/>
+              <a:rPr lang="en-US" dirty="0" err="1">
+                <a:latin typeface="Calibri" panose="020F0502020204030204" pitchFamily="34" charset="0"/>
+              </a:rPr>
               <a:t>var</a:t>
             </a:r>
             <a:r>
-              <a:rPr lang="en-US" dirty="0"/>
+              <a:rPr lang="en-US" dirty="0">
+                <a:latin typeface="Calibri" panose="020F0502020204030204" pitchFamily="34" charset="0"/>
+              </a:rPr>
               <a:t> app = &lt;</a:t>
             </a:r>
             <a:r>
-              <a:rPr lang="en-US" dirty="0" err="1"/>
+              <a:rPr lang="en-US" dirty="0" err="1">
+                <a:latin typeface="Calibri" panose="020F0502020204030204" pitchFamily="34" charset="0"/>
+              </a:rPr>
               <a:t>Nav</a:t>
             </a:r>
             <a:r>
-              <a:rPr lang="en-US" dirty="0"/>
+              <a:rPr lang="en-US" dirty="0">
+                <a:latin typeface="Calibri" panose="020F0502020204030204" pitchFamily="34" charset="0"/>
+              </a:rPr>
               <a:t> color="blue" /&gt;;</a:t>
             </a:r>
-            <a:r>
-              <a:rPr lang="en-US" dirty="0" smtClean="0"/>
-              <a:t/>
-            </a:r>
             <a:br>
-              <a:rPr lang="en-US" dirty="0" smtClean="0"/>
+              <a:rPr lang="en-US" dirty="0">
+                <a:latin typeface="Calibri" panose="020F0502020204030204" pitchFamily="34" charset="0"/>
+              </a:rPr>
             </a:br>
             <a:r>
-              <a:rPr lang="en-US" dirty="0"/>
+              <a:rPr lang="en-US" dirty="0">
+                <a:latin typeface="Calibri" panose="020F0502020204030204" pitchFamily="34" charset="0"/>
+              </a:rPr>
               <a:t>// </a:t>
             </a:r>
             <a:r>
-              <a:rPr lang="uk-UA" dirty="0"/>
+              <a:rPr lang="uk-UA" dirty="0">
+                <a:latin typeface="Calibri" panose="020F0502020204030204" pitchFamily="34" charset="0"/>
+              </a:rPr>
               <a:t>На </a:t>
             </a:r>
             <a:r>
-              <a:rPr lang="uk-UA" dirty="0" err="1"/>
+              <a:rPr lang="uk-UA" dirty="0" err="1">
+                <a:latin typeface="Calibri" panose="020F0502020204030204" pitchFamily="34" charset="0"/>
+              </a:rPr>
               <a:t>выходе</a:t>
             </a:r>
             <a:r>
-              <a:rPr lang="uk-UA" dirty="0"/>
+              <a:rPr lang="uk-UA" dirty="0">
+                <a:latin typeface="Calibri" panose="020F0502020204030204" pitchFamily="34" charset="0"/>
+              </a:rPr>
               <a:t> (</a:t>
             </a:r>
             <a:r>
-              <a:rPr lang="en-US" dirty="0"/>
+              <a:rPr lang="en-US" dirty="0">
+                <a:latin typeface="Calibri" panose="020F0502020204030204" pitchFamily="34" charset="0"/>
+              </a:rPr>
               <a:t>JS):</a:t>
             </a:r>
-            <a:r>
-              <a:rPr lang="en-US" dirty="0" smtClean="0"/>
-              <a:t/>
-            </a:r>
             <a:br>
-              <a:rPr lang="en-US" dirty="0" smtClean="0"/>
+              <a:rPr lang="en-US" dirty="0">
+                <a:latin typeface="Calibri" panose="020F0502020204030204" pitchFamily="34" charset="0"/>
+              </a:rPr>
             </a:br>
             <a:r>
-              <a:rPr lang="en-US" dirty="0" err="1"/>
+              <a:rPr lang="en-US" dirty="0" err="1">
+                <a:latin typeface="Calibri" panose="020F0502020204030204" pitchFamily="34" charset="0"/>
+              </a:rPr>
               <a:t>var</a:t>
             </a:r>
             <a:r>
-              <a:rPr lang="en-US" dirty="0"/>
+              <a:rPr lang="en-US" dirty="0">
+                <a:latin typeface="Calibri" panose="020F0502020204030204" pitchFamily="34" charset="0"/>
+              </a:rPr>
               <a:t> app = </a:t>
             </a:r>
             <a:r>
-              <a:rPr lang="en-US" dirty="0" err="1"/>
+              <a:rPr lang="en-US" dirty="0" err="1">
+                <a:latin typeface="Calibri" panose="020F0502020204030204" pitchFamily="34" charset="0"/>
+              </a:rPr>
               <a:t>React.createElement</a:t>
             </a:r>
             <a:r>
-              <a:rPr lang="en-US" dirty="0"/>
+              <a:rPr lang="en-US" dirty="0">
+                <a:latin typeface="Calibri" panose="020F0502020204030204" pitchFamily="34" charset="0"/>
+              </a:rPr>
               <a:t>(</a:t>
             </a:r>
             <a:r>
-              <a:rPr lang="en-US" dirty="0" err="1"/>
+              <a:rPr lang="en-US" dirty="0" err="1">
+                <a:latin typeface="Calibri" panose="020F0502020204030204" pitchFamily="34" charset="0"/>
+              </a:rPr>
               <a:t>Nav</a:t>
             </a:r>
             <a:r>
-              <a:rPr lang="en-US" dirty="0"/>
+              <a:rPr lang="en-US" dirty="0">
+                <a:latin typeface="Calibri" panose="020F0502020204030204" pitchFamily="34" charset="0"/>
+              </a:rPr>
               <a:t>, {color:"blue"});</a:t>
             </a:r>
-            <a:endParaRPr lang="uk-UA" dirty="0"/>
+            <a:endParaRPr lang="uk-UA" dirty="0">
+              <a:latin typeface="Calibri" panose="020F0502020204030204" pitchFamily="34" charset="0"/>
+            </a:endParaRPr>
           </a:p>
         </p:txBody>
       </p:sp>
@@ -3278,11 +3185,11 @@
           <a:lstStyle/>
           <a:p>
             <a:r>
-              <a:rPr lang="en-US" dirty="0" smtClean="0"/>
+              <a:rPr lang="en-US" dirty="0"/>
               <a:t>React </a:t>
             </a:r>
             <a:r>
-              <a:rPr lang="ru-RU" dirty="0" smtClean="0"/>
+              <a:rPr lang="ru-RU" dirty="0"/>
               <a:t>компоненты</a:t>
             </a:r>
             <a:endParaRPr lang="uk-UA" dirty="0"/>
@@ -3312,51 +3219,63 @@
           <a:lstStyle/>
           <a:p>
             <a:r>
-              <a:rPr lang="en-US" dirty="0" smtClean="0"/>
+              <a:rPr lang="en-US" dirty="0">
+                <a:latin typeface="Calibri" panose="020F0502020204030204" pitchFamily="34" charset="0"/>
+              </a:rPr>
               <a:t>React </a:t>
             </a:r>
             <a:r>
-              <a:rPr lang="ru-RU" dirty="0" smtClean="0"/>
+              <a:rPr lang="ru-RU" dirty="0">
+                <a:latin typeface="Calibri" panose="020F0502020204030204" pitchFamily="34" charset="0"/>
+              </a:rPr>
               <a:t>компоненты -</a:t>
             </a:r>
             <a:r>
-              <a:rPr lang="en-US" dirty="0" smtClean="0"/>
+              <a:rPr lang="en-US" dirty="0">
+                <a:latin typeface="Calibri" panose="020F0502020204030204" pitchFamily="34" charset="0"/>
+              </a:rPr>
               <a:t> </a:t>
             </a:r>
             <a:r>
-              <a:rPr lang="ru-RU" dirty="0" smtClean="0"/>
-              <a:t>функции, </a:t>
-            </a:r>
-            <a:r>
-              <a:rPr lang="ru-RU" dirty="0"/>
-              <a:t>которые получают свойства (</a:t>
-            </a:r>
-            <a:r>
-              <a:rPr lang="ru-RU" dirty="0" err="1"/>
+              <a:rPr lang="ru-RU" dirty="0">
+                <a:latin typeface="Calibri" panose="020F0502020204030204" pitchFamily="34" charset="0"/>
+              </a:rPr>
+              <a:t>функции, которые получают свойства (</a:t>
+            </a:r>
+            <a:r>
+              <a:rPr lang="ru-RU" dirty="0" err="1">
+                <a:latin typeface="Calibri" panose="020F0502020204030204" pitchFamily="34" charset="0"/>
+              </a:rPr>
               <a:t>props</a:t>
             </a:r>
             <a:r>
-              <a:rPr lang="ru-RU" dirty="0"/>
+              <a:rPr lang="ru-RU" dirty="0">
+                <a:latin typeface="Calibri" panose="020F0502020204030204" pitchFamily="34" charset="0"/>
+              </a:rPr>
               <a:t>) и состояния (</a:t>
             </a:r>
             <a:r>
-              <a:rPr lang="ru-RU" dirty="0" err="1"/>
+              <a:rPr lang="ru-RU" dirty="0" err="1">
+                <a:latin typeface="Calibri" panose="020F0502020204030204" pitchFamily="34" charset="0"/>
+              </a:rPr>
               <a:t>state</a:t>
             </a:r>
             <a:r>
-              <a:rPr lang="ru-RU" dirty="0"/>
-              <a:t>) </a:t>
-            </a:r>
-            <a:r>
-              <a:rPr lang="ru-RU" dirty="0" smtClean="0"/>
-              <a:t>и выводят на экран HTML разметку. </a:t>
-            </a:r>
-          </a:p>
-          <a:p>
-            <a:endParaRPr lang="ru-RU" dirty="0"/>
-          </a:p>
-          <a:p>
-            <a:endParaRPr lang="uk-UA" dirty="0"/>
+              <a:rPr lang="ru-RU" dirty="0">
+                <a:latin typeface="Calibri" panose="020F0502020204030204" pitchFamily="34" charset="0"/>
+              </a:rPr>
+              <a:t>) и выводят на экран HTML разметку. </a:t>
+            </a:r>
+          </a:p>
+          <a:p>
+            <a:endParaRPr lang="ru-RU" dirty="0">
+              <a:latin typeface="Calibri" panose="020F0502020204030204" pitchFamily="34" charset="0"/>
+            </a:endParaRPr>
+          </a:p>
+          <a:p>
+            <a:endParaRPr lang="uk-UA" dirty="0">
+              <a:latin typeface="Calibri" panose="020F0502020204030204" pitchFamily="34" charset="0"/>
+            </a:endParaRPr>
           </a:p>
         </p:txBody>
       </p:sp>
@@ -3368,8 +3287,8 @@
         </p:nvSpPr>
         <p:spPr>
           <a:xfrm>
-            <a:off x="755576" y="2204864"/>
-            <a:ext cx="7560840" cy="2246769"/>
+            <a:off x="539552" y="2204864"/>
+            <a:ext cx="7776864" cy="2585323"/>
           </a:xfrm>
           <a:prstGeom prst="rect">
             <a:avLst/>
@@ -3395,187 +3314,167 @@
           </a:bodyPr>
           <a:lstStyle/>
           <a:p>
-            <a:r>
-              <a:rPr lang="en-US" sz="2000" b="1" dirty="0" err="1">
+            <a:endParaRPr lang="en-US" b="1" dirty="0">
+              <a:latin typeface="Calibri" pitchFamily="34" charset="0"/>
+            </a:endParaRPr>
+          </a:p>
+          <a:p>
+            <a:r>
+              <a:rPr lang="en-US" b="1" dirty="0" err="1">
                 <a:latin typeface="Calibri" pitchFamily="34" charset="0"/>
               </a:rPr>
               <a:t>var</a:t>
             </a:r>
             <a:r>
-              <a:rPr lang="en-US" sz="2000" dirty="0">
+              <a:rPr lang="en-US" dirty="0">
                 <a:latin typeface="Calibri" pitchFamily="34" charset="0"/>
               </a:rPr>
               <a:t> Photo = </a:t>
             </a:r>
             <a:r>
-              <a:rPr lang="en-US" sz="2000" dirty="0" err="1">
+              <a:rPr lang="en-US" dirty="0" err="1">
                 <a:latin typeface="Calibri" pitchFamily="34" charset="0"/>
               </a:rPr>
               <a:t>React.createClass</a:t>
             </a:r>
             <a:r>
-              <a:rPr lang="en-US" sz="2000" dirty="0">
+              <a:rPr lang="en-US" dirty="0">
                 <a:latin typeface="Calibri" pitchFamily="34" charset="0"/>
               </a:rPr>
               <a:t>({ </a:t>
             </a:r>
-            <a:endParaRPr lang="ru-RU" sz="2000" dirty="0" smtClean="0">
+            <a:endParaRPr lang="ru-RU" dirty="0">
               <a:latin typeface="Calibri" pitchFamily="34" charset="0"/>
             </a:endParaRPr>
           </a:p>
           <a:p>
             <a:r>
-              <a:rPr lang="ru-RU" sz="2000" dirty="0">
+              <a:rPr lang="ru-RU" dirty="0">
                 <a:latin typeface="Calibri" pitchFamily="34" charset="0"/>
               </a:rPr>
               <a:t>	</a:t>
             </a:r>
             <a:r>
-              <a:rPr lang="en-US" sz="2000" dirty="0" smtClean="0">
-                <a:latin typeface="Calibri" pitchFamily="34" charset="0"/>
-              </a:rPr>
-              <a:t>render</a:t>
-            </a:r>
-            <a:r>
-              <a:rPr lang="en-US" sz="2000" dirty="0">
-                <a:latin typeface="Calibri" pitchFamily="34" charset="0"/>
-              </a:rPr>
-              <a:t>: </a:t>
-            </a:r>
-            <a:r>
-              <a:rPr lang="en-US" sz="2000" b="1" dirty="0">
+              <a:rPr lang="en-US" dirty="0">
+                <a:latin typeface="Calibri" pitchFamily="34" charset="0"/>
+              </a:rPr>
+              <a:t>render: </a:t>
+            </a:r>
+            <a:r>
+              <a:rPr lang="en-US" b="1" dirty="0">
                 <a:latin typeface="Calibri" pitchFamily="34" charset="0"/>
               </a:rPr>
               <a:t>function</a:t>
             </a:r>
             <a:r>
-              <a:rPr lang="en-US" sz="2000" dirty="0">
+              <a:rPr lang="en-US" dirty="0">
                 <a:latin typeface="Calibri" pitchFamily="34" charset="0"/>
               </a:rPr>
               <a:t>() { </a:t>
             </a:r>
-            <a:endParaRPr lang="ru-RU" sz="2000" dirty="0" smtClean="0">
+            <a:endParaRPr lang="ru-RU" dirty="0">
               <a:latin typeface="Calibri" pitchFamily="34" charset="0"/>
             </a:endParaRPr>
           </a:p>
           <a:p>
             <a:r>
-              <a:rPr lang="ru-RU" sz="2000" b="1" dirty="0">
-                <a:latin typeface="Calibri" pitchFamily="34" charset="0"/>
-              </a:rPr>
-              <a:t>	</a:t>
-            </a:r>
-            <a:r>
-              <a:rPr lang="ru-RU" sz="2000" b="1" dirty="0" smtClean="0">
-                <a:latin typeface="Calibri" pitchFamily="34" charset="0"/>
-              </a:rPr>
-              <a:t>	</a:t>
-            </a:r>
-            <a:r>
-              <a:rPr lang="en-US" sz="2000" b="1" dirty="0" smtClean="0">
+              <a:rPr lang="ru-RU" b="1" dirty="0">
+                <a:latin typeface="Calibri" pitchFamily="34" charset="0"/>
+              </a:rPr>
+              <a:t>		</a:t>
+            </a:r>
+            <a:r>
+              <a:rPr lang="en-US" b="1" dirty="0">
                 <a:latin typeface="Calibri" pitchFamily="34" charset="0"/>
               </a:rPr>
               <a:t>return</a:t>
             </a:r>
             <a:r>
-              <a:rPr lang="en-US" sz="2000" dirty="0" smtClean="0">
+              <a:rPr lang="en-US" dirty="0">
+                <a:latin typeface="Calibri" pitchFamily="34" charset="0"/>
+              </a:rPr>
+              <a:t> &lt;</a:t>
+            </a:r>
+            <a:r>
+              <a:rPr lang="en-US" dirty="0" err="1">
+                <a:latin typeface="Calibri" pitchFamily="34" charset="0"/>
+              </a:rPr>
+              <a:t>img</a:t>
+            </a:r>
+            <a:r>
+              <a:rPr lang="en-US" dirty="0">
                 <a:latin typeface="Calibri" pitchFamily="34" charset="0"/>
               </a:rPr>
               <a:t> </a:t>
             </a:r>
             <a:r>
-              <a:rPr lang="en-US" sz="2000" dirty="0">
-                <a:latin typeface="Calibri" pitchFamily="34" charset="0"/>
-              </a:rPr>
-              <a:t>&lt;</a:t>
-            </a:r>
-            <a:r>
-              <a:rPr lang="en-US" sz="2000" dirty="0" err="1">
-                <a:latin typeface="Calibri" pitchFamily="34" charset="0"/>
-              </a:rPr>
-              <a:t>img</a:t>
-            </a:r>
-            <a:r>
-              <a:rPr lang="en-US" sz="2000" dirty="0">
-                <a:latin typeface="Calibri" pitchFamily="34" charset="0"/>
-              </a:rPr>
-              <a:t> </a:t>
-            </a:r>
-            <a:r>
-              <a:rPr lang="en-US" sz="2000" dirty="0" err="1">
+              <a:rPr lang="en-US" dirty="0" err="1">
                 <a:latin typeface="Calibri" pitchFamily="34" charset="0"/>
               </a:rPr>
               <a:t>src</a:t>
             </a:r>
             <a:r>
-              <a:rPr lang="en-US" sz="2000" dirty="0">
+              <a:rPr lang="en-US" dirty="0">
                 <a:latin typeface="Calibri" pitchFamily="34" charset="0"/>
               </a:rPr>
               <a:t>='http:tinyurl.comlkevsb9' /&gt; </a:t>
             </a:r>
-            <a:endParaRPr lang="en-US" sz="2000" dirty="0" smtClean="0">
+          </a:p>
+          <a:p>
+            <a:r>
+              <a:rPr lang="en-US" dirty="0">
+                <a:latin typeface="Calibri" pitchFamily="34" charset="0"/>
+              </a:rPr>
+              <a:t>	} </a:t>
+            </a:r>
+            <a:endParaRPr lang="ru-RU" dirty="0">
               <a:latin typeface="Calibri" pitchFamily="34" charset="0"/>
             </a:endParaRPr>
           </a:p>
           <a:p>
             <a:r>
-              <a:rPr lang="en-US" sz="2000" dirty="0">
-                <a:latin typeface="Calibri" pitchFamily="34" charset="0"/>
-              </a:rPr>
-              <a:t>	</a:t>
-            </a:r>
-            <a:r>
-              <a:rPr lang="en-US" sz="2000" dirty="0" smtClean="0">
-                <a:latin typeface="Calibri" pitchFamily="34" charset="0"/>
-              </a:rPr>
-              <a:t>} </a:t>
-            </a:r>
-            <a:endParaRPr lang="ru-RU" sz="2000" dirty="0" smtClean="0">
+              <a:rPr lang="en-US" dirty="0">
+                <a:latin typeface="Calibri" pitchFamily="34" charset="0"/>
+              </a:rPr>
+              <a:t>}); </a:t>
+            </a:r>
+            <a:endParaRPr lang="ru-RU" dirty="0">
               <a:latin typeface="Calibri" pitchFamily="34" charset="0"/>
             </a:endParaRPr>
           </a:p>
           <a:p>
-            <a:r>
-              <a:rPr lang="en-US" sz="2000" dirty="0" smtClean="0">
-                <a:latin typeface="Calibri" pitchFamily="34" charset="0"/>
-              </a:rPr>
-              <a:t>}); </a:t>
-            </a:r>
-            <a:endParaRPr lang="ru-RU" sz="2000" dirty="0" smtClean="0">
+            <a:endParaRPr lang="ru-RU" dirty="0">
               <a:latin typeface="Calibri" pitchFamily="34" charset="0"/>
             </a:endParaRPr>
           </a:p>
           <a:p>
-            <a:endParaRPr lang="ru-RU" sz="2000" dirty="0">
-              <a:latin typeface="Calibri" pitchFamily="34" charset="0"/>
-            </a:endParaRPr>
-          </a:p>
-          <a:p>
-            <a:r>
-              <a:rPr lang="en-US" sz="2000" dirty="0" err="1" smtClean="0">
+            <a:r>
+              <a:rPr lang="en-US" dirty="0" err="1">
                 <a:latin typeface="Calibri" pitchFamily="34" charset="0"/>
               </a:rPr>
               <a:t>ReactDOM.render</a:t>
             </a:r>
             <a:r>
-              <a:rPr lang="en-US" sz="2000" dirty="0">
+              <a:rPr lang="en-US" dirty="0">
                 <a:latin typeface="Calibri" pitchFamily="34" charset="0"/>
               </a:rPr>
               <a:t>(&lt;Photo /&gt;, </a:t>
             </a:r>
             <a:r>
-              <a:rPr lang="en-US" sz="2000" dirty="0" err="1">
+              <a:rPr lang="en-US" dirty="0" err="1">
                 <a:latin typeface="Calibri" pitchFamily="34" charset="0"/>
               </a:rPr>
               <a:t>document.body</a:t>
             </a:r>
             <a:r>
-              <a:rPr lang="en-US" sz="2000" dirty="0">
+              <a:rPr lang="en-US" dirty="0">
                 <a:latin typeface="Calibri" pitchFamily="34" charset="0"/>
               </a:rPr>
               <a:t>);</a:t>
             </a:r>
-            <a:endParaRPr lang="uk-UA" sz="2000" dirty="0">
+          </a:p>
+          <a:p>
+            <a:endParaRPr lang="uk-UA" dirty="0">
               <a:latin typeface="Calibri" pitchFamily="34" charset="0"/>
             </a:endParaRPr>
           </a:p>
@@ -3589,8 +3488,8 @@
         </p:nvSpPr>
         <p:spPr>
           <a:xfrm>
-            <a:off x="755576" y="4725144"/>
-            <a:ext cx="7488832" cy="1631216"/>
+            <a:off x="539552" y="4725144"/>
+            <a:ext cx="7704856" cy="1477328"/>
           </a:xfrm>
           <a:prstGeom prst="rect">
             <a:avLst/>
@@ -3603,108 +3502,105 @@
           </a:bodyPr>
           <a:lstStyle/>
           <a:p>
-            <a:pPr>
-              <a:buFont typeface="Arial" pitchFamily="34" charset="0"/>
-              <a:buChar char="•"/>
-            </a:pPr>
-            <a:r>
-              <a:rPr lang="ru-RU" sz="2000" dirty="0" smtClean="0">
+            <a:endParaRPr lang="en-US" dirty="0">
+              <a:latin typeface="Calibri" pitchFamily="34" charset="0"/>
+            </a:endParaRPr>
+          </a:p>
+          <a:p>
+            <a:r>
+              <a:rPr lang="ru-RU" dirty="0">
                 <a:latin typeface="Calibri" pitchFamily="34" charset="0"/>
               </a:rPr>
               <a:t>Функция </a:t>
             </a:r>
             <a:r>
-              <a:rPr lang="ru-RU" sz="2000" i="1" dirty="0" err="1" smtClean="0">
+              <a:rPr lang="ru-RU" i="1" dirty="0" err="1">
                 <a:latin typeface="Calibri" pitchFamily="34" charset="0"/>
               </a:rPr>
               <a:t>createClass</a:t>
             </a:r>
             <a:r>
-              <a:rPr lang="ru-RU" sz="2000" dirty="0" smtClean="0">
+              <a:rPr lang="ru-RU" dirty="0">
                 <a:latin typeface="Calibri" pitchFamily="34" charset="0"/>
               </a:rPr>
               <a:t> принимает объект, который реализует</a:t>
             </a:r>
             <a:r>
-              <a:rPr lang="en-US" sz="2000" dirty="0" smtClean="0">
+              <a:rPr lang="en-US" dirty="0">
                 <a:latin typeface="Calibri" pitchFamily="34" charset="0"/>
               </a:rPr>
               <a:t> </a:t>
             </a:r>
             <a:r>
-              <a:rPr lang="ru-RU" sz="2000" dirty="0" smtClean="0">
+              <a:rPr lang="ru-RU" dirty="0">
                 <a:latin typeface="Calibri" pitchFamily="34" charset="0"/>
               </a:rPr>
               <a:t>функцию </a:t>
             </a:r>
             <a:r>
-              <a:rPr lang="ru-RU" sz="2000" i="1" dirty="0" err="1" smtClean="0">
+              <a:rPr lang="ru-RU" i="1" dirty="0" err="1">
                 <a:latin typeface="Calibri" pitchFamily="34" charset="0"/>
               </a:rPr>
               <a:t>render</a:t>
             </a:r>
-            <a:endParaRPr lang="en-US" sz="2000" dirty="0">
+            <a:endParaRPr lang="en-US" dirty="0">
               <a:latin typeface="Calibri" pitchFamily="34" charset="0"/>
             </a:endParaRPr>
           </a:p>
           <a:p>
-            <a:endParaRPr lang="en-US" sz="2000" dirty="0" smtClean="0">
+            <a:endParaRPr lang="en-US" dirty="0">
               <a:latin typeface="Calibri" pitchFamily="34" charset="0"/>
             </a:endParaRPr>
           </a:p>
           <a:p>
-            <a:pPr>
-              <a:buFont typeface="Arial" pitchFamily="34" charset="0"/>
-              <a:buChar char="•"/>
-            </a:pPr>
-            <a:r>
-              <a:rPr lang="ru-RU" sz="2000" dirty="0" smtClean="0">
+            <a:r>
+              <a:rPr lang="ru-RU" dirty="0">
                 <a:latin typeface="Calibri" pitchFamily="34" charset="0"/>
               </a:rPr>
               <a:t>Компонент </a:t>
             </a:r>
             <a:r>
-              <a:rPr lang="ru-RU" sz="2000" b="1" dirty="0" err="1" smtClean="0">
+              <a:rPr lang="ru-RU" b="1" dirty="0" err="1">
                 <a:latin typeface="Calibri" pitchFamily="34" charset="0"/>
               </a:rPr>
               <a:t>Photo</a:t>
             </a:r>
             <a:r>
-              <a:rPr lang="ru-RU" sz="2000" dirty="0" smtClean="0">
+              <a:rPr lang="ru-RU" dirty="0">
                 <a:latin typeface="Calibri" pitchFamily="34" charset="0"/>
               </a:rPr>
               <a:t> создан и </a:t>
             </a:r>
             <a:r>
-              <a:rPr lang="ru-RU" sz="2000" dirty="0" err="1" smtClean="0">
+              <a:rPr lang="ru-RU" dirty="0" err="1">
                 <a:latin typeface="Calibri" pitchFamily="34" charset="0"/>
               </a:rPr>
               <a:t>отрисован</a:t>
             </a:r>
             <a:r>
-              <a:rPr lang="ru-RU" sz="2000" dirty="0" smtClean="0">
+              <a:rPr lang="ru-RU" dirty="0">
                 <a:latin typeface="Calibri" pitchFamily="34" charset="0"/>
               </a:rPr>
               <a:t> в теле</a:t>
             </a:r>
             <a:r>
-              <a:rPr lang="en-US" sz="2000" dirty="0">
+              <a:rPr lang="en-US" dirty="0">
                 <a:latin typeface="Calibri" pitchFamily="34" charset="0"/>
               </a:rPr>
               <a:t> </a:t>
             </a:r>
             <a:r>
-              <a:rPr lang="ru-RU" sz="2000" dirty="0" smtClean="0">
+              <a:rPr lang="ru-RU" dirty="0">
                 <a:latin typeface="Calibri" pitchFamily="34" charset="0"/>
               </a:rPr>
               <a:t>документа.</a:t>
             </a:r>
             <a:br>
-              <a:rPr lang="ru-RU" sz="2000" dirty="0" smtClean="0">
+              <a:rPr lang="ru-RU" dirty="0">
                 <a:latin typeface="Calibri" pitchFamily="34" charset="0"/>
               </a:rPr>
             </a:br>
-            <a:endParaRPr lang="uk-UA" sz="2000" dirty="0">
+            <a:endParaRPr lang="uk-UA" dirty="0">
               <a:latin typeface="Calibri" pitchFamily="34" charset="0"/>
             </a:endParaRPr>
           </a:p>
@@ -3751,7 +3647,7 @@
           <a:lstStyle/>
           <a:p>
             <a:r>
-              <a:rPr lang="en-US" dirty="0" smtClean="0"/>
+              <a:rPr lang="en-US" dirty="0"/>
               <a:t>Props</a:t>
             </a:r>
             <a:endParaRPr lang="uk-UA" dirty="0"/>
@@ -3767,7 +3663,7 @@
         <p:spPr>
           <a:xfrm>
             <a:off x="611560" y="1412776"/>
-            <a:ext cx="8208912" cy="4801314"/>
+            <a:ext cx="8208912" cy="4524315"/>
           </a:xfrm>
           <a:prstGeom prst="rect">
             <a:avLst/>
@@ -3781,79 +3677,121 @@
           <a:lstStyle/>
           <a:p>
             <a:r>
-              <a:rPr lang="ru-RU" dirty="0" smtClean="0"/>
+              <a:rPr lang="ru-RU" dirty="0">
+                <a:latin typeface="Calibri" panose="020F0502020204030204" pitchFamily="34" charset="0"/>
+              </a:rPr>
               <a:t>У каждого компонента могут быть свойства. Они хранятся в </a:t>
             </a:r>
             <a:r>
-              <a:rPr lang="ru-RU" dirty="0" err="1" smtClean="0"/>
+              <a:rPr lang="ru-RU" dirty="0" err="1">
+                <a:latin typeface="Calibri" panose="020F0502020204030204" pitchFamily="34" charset="0"/>
+              </a:rPr>
               <a:t>this.props</a:t>
             </a:r>
             <a:r>
-              <a:rPr lang="ru-RU" dirty="0" smtClean="0"/>
+              <a:rPr lang="ru-RU" dirty="0">
+                <a:latin typeface="Calibri" panose="020F0502020204030204" pitchFamily="34" charset="0"/>
+              </a:rPr>
               <a:t>, и передаются компоненту как атрибуты.</a:t>
             </a:r>
           </a:p>
           <a:p>
-            <a:endParaRPr lang="ru-RU" dirty="0" smtClean="0"/>
-          </a:p>
-          <a:p>
-            <a:endParaRPr lang="en-US" dirty="0" smtClean="0"/>
-          </a:p>
-          <a:p>
-            <a:endParaRPr lang="en-US" dirty="0"/>
-          </a:p>
-          <a:p>
-            <a:endParaRPr lang="en-US" dirty="0" smtClean="0"/>
-          </a:p>
-          <a:p>
-            <a:endParaRPr lang="en-US" dirty="0"/>
-          </a:p>
-          <a:p>
-            <a:endParaRPr lang="en-US" dirty="0" smtClean="0"/>
-          </a:p>
-          <a:p>
-            <a:endParaRPr lang="en-US" dirty="0"/>
-          </a:p>
-          <a:p>
-            <a:endParaRPr lang="en-US" dirty="0"/>
-          </a:p>
-          <a:p>
-            <a:endParaRPr lang="en-US" dirty="0" smtClean="0"/>
-          </a:p>
-          <a:p>
-            <a:r>
-              <a:rPr lang="ru-RU" dirty="0" smtClean="0"/>
+            <a:endParaRPr lang="ru-RU" dirty="0">
+              <a:latin typeface="Calibri" panose="020F0502020204030204" pitchFamily="34" charset="0"/>
+            </a:endParaRPr>
+          </a:p>
+          <a:p>
+            <a:endParaRPr lang="en-US" dirty="0">
+              <a:latin typeface="Calibri" panose="020F0502020204030204" pitchFamily="34" charset="0"/>
+            </a:endParaRPr>
+          </a:p>
+          <a:p>
+            <a:endParaRPr lang="en-US" dirty="0">
+              <a:latin typeface="Calibri" panose="020F0502020204030204" pitchFamily="34" charset="0"/>
+            </a:endParaRPr>
+          </a:p>
+          <a:p>
+            <a:endParaRPr lang="en-US" dirty="0">
+              <a:latin typeface="Calibri" panose="020F0502020204030204" pitchFamily="34" charset="0"/>
+            </a:endParaRPr>
+          </a:p>
+          <a:p>
+            <a:endParaRPr lang="en-US" dirty="0">
+              <a:latin typeface="Calibri" panose="020F0502020204030204" pitchFamily="34" charset="0"/>
+            </a:endParaRPr>
+          </a:p>
+          <a:p>
+            <a:endParaRPr lang="en-US" dirty="0">
+              <a:latin typeface="Calibri" panose="020F0502020204030204" pitchFamily="34" charset="0"/>
+            </a:endParaRPr>
+          </a:p>
+          <a:p>
+            <a:endParaRPr lang="en-US" dirty="0">
+              <a:latin typeface="Calibri" panose="020F0502020204030204" pitchFamily="34" charset="0"/>
+            </a:endParaRPr>
+          </a:p>
+          <a:p>
+            <a:endParaRPr lang="en-US" dirty="0">
+              <a:latin typeface="Calibri" panose="020F0502020204030204" pitchFamily="34" charset="0"/>
+            </a:endParaRPr>
+          </a:p>
+          <a:p>
+            <a:endParaRPr lang="en-US" dirty="0">
+              <a:latin typeface="Calibri" panose="020F0502020204030204" pitchFamily="34" charset="0"/>
+            </a:endParaRPr>
+          </a:p>
+          <a:p>
+            <a:r>
+              <a:rPr lang="ru-RU" dirty="0">
+                <a:latin typeface="Calibri" panose="020F0502020204030204" pitchFamily="34" charset="0"/>
+              </a:rPr>
               <a:t>В свойство можно передать любой </a:t>
             </a:r>
             <a:r>
-              <a:rPr lang="ru-RU" dirty="0" err="1" smtClean="0"/>
+              <a:rPr lang="ru-RU" dirty="0" err="1">
+                <a:latin typeface="Calibri" panose="020F0502020204030204" pitchFamily="34" charset="0"/>
+              </a:rPr>
               <a:t>javascript</a:t>
             </a:r>
             <a:r>
-              <a:rPr lang="ru-RU" dirty="0" smtClean="0"/>
+              <a:rPr lang="ru-RU" dirty="0">
+                <a:latin typeface="Calibri" panose="020F0502020204030204" pitchFamily="34" charset="0"/>
+              </a:rPr>
               <a:t> примитив, объект, переменную и даже выражение. Значение свойства должно быть взято в фигурные скобки.</a:t>
             </a:r>
             <a:r>
-              <a:rPr lang="en-US" dirty="0" smtClean="0"/>
+              <a:rPr lang="en-US" dirty="0">
+                <a:latin typeface="Calibri" panose="020F0502020204030204" pitchFamily="34" charset="0"/>
+              </a:rPr>
               <a:t> </a:t>
             </a:r>
           </a:p>
           <a:p>
-            <a:endParaRPr lang="ru-RU" dirty="0" smtClean="0"/>
-          </a:p>
-          <a:p>
-            <a:r>
-              <a:rPr lang="ru-RU" dirty="0" smtClean="0"/>
+            <a:endParaRPr lang="ru-RU" dirty="0">
+              <a:latin typeface="Calibri" panose="020F0502020204030204" pitchFamily="34" charset="0"/>
+            </a:endParaRPr>
+          </a:p>
+          <a:p>
+            <a:r>
+              <a:rPr lang="ru-RU" dirty="0">
+                <a:latin typeface="Calibri" panose="020F0502020204030204" pitchFamily="34" charset="0"/>
+              </a:rPr>
               <a:t>Значения доступны через </a:t>
             </a:r>
             <a:r>
-              <a:rPr lang="ru-RU" dirty="0" err="1" smtClean="0"/>
+              <a:rPr lang="ru-RU" dirty="0" err="1">
+                <a:latin typeface="Calibri" panose="020F0502020204030204" pitchFamily="34" charset="0"/>
+              </a:rPr>
               <a:t>this.props.ИМЯ_СВОЙСТВА</a:t>
             </a:r>
-            <a:endParaRPr lang="ru-RU" dirty="0" smtClean="0"/>
-          </a:p>
-          <a:p>
-            <a:endParaRPr lang="uk-UA" dirty="0"/>
+            <a:endParaRPr lang="ru-RU" dirty="0">
+              <a:latin typeface="Calibri" panose="020F0502020204030204" pitchFamily="34" charset="0"/>
+            </a:endParaRPr>
+          </a:p>
+          <a:p>
+            <a:endParaRPr lang="uk-UA" dirty="0">
+              <a:latin typeface="Calibri" panose="020F0502020204030204" pitchFamily="34" charset="0"/>
+            </a:endParaRPr>
           </a:p>
         </p:txBody>
       </p:sp>
@@ -3865,8 +3803,8 @@
         </p:nvSpPr>
         <p:spPr>
           <a:xfrm>
-            <a:off x="1979712" y="2348880"/>
-            <a:ext cx="4824536" cy="1754326"/>
+            <a:off x="611560" y="2348880"/>
+            <a:ext cx="8075240" cy="1477328"/>
           </a:xfrm>
           <a:prstGeom prst="rect">
             <a:avLst/>
@@ -3893,90 +3831,136 @@
           <a:lstStyle/>
           <a:p>
             <a:r>
-              <a:rPr lang="ru-RU" b="1" dirty="0" smtClean="0"/>
+              <a:rPr lang="ru-RU" b="1" dirty="0">
+                <a:latin typeface="Calibri" panose="020F0502020204030204" pitchFamily="34" charset="0"/>
+              </a:rPr>
               <a:t>Общий вид:</a:t>
             </a:r>
-            <a:endParaRPr lang="ru-RU" dirty="0" smtClean="0"/>
-          </a:p>
-          <a:p>
-            <a:r>
-              <a:rPr lang="ru-RU" dirty="0" err="1" smtClean="0"/>
+            <a:endParaRPr lang="ru-RU" dirty="0">
+              <a:latin typeface="Calibri" panose="020F0502020204030204" pitchFamily="34" charset="0"/>
+            </a:endParaRPr>
+          </a:p>
+          <a:p>
+            <a:r>
+              <a:rPr lang="ru-RU" dirty="0" err="1">
+                <a:latin typeface="Calibri" panose="020F0502020204030204" pitchFamily="34" charset="0"/>
+              </a:rPr>
               <a:t>var</a:t>
             </a:r>
             <a:r>
-              <a:rPr lang="ru-RU" dirty="0" smtClean="0"/>
+              <a:rPr lang="ru-RU" dirty="0">
+                <a:latin typeface="Calibri" panose="020F0502020204030204" pitchFamily="34" charset="0"/>
+              </a:rPr>
               <a:t> value1 = {</a:t>
             </a:r>
             <a:r>
-              <a:rPr lang="ru-RU" dirty="0" err="1" smtClean="0"/>
+              <a:rPr lang="ru-RU" dirty="0" err="1">
+                <a:latin typeface="Calibri" panose="020F0502020204030204" pitchFamily="34" charset="0"/>
+              </a:rPr>
               <a:t>name</a:t>
             </a:r>
             <a:r>
-              <a:rPr lang="ru-RU" dirty="0" smtClean="0"/>
+              <a:rPr lang="ru-RU" dirty="0">
+                <a:latin typeface="Calibri" panose="020F0502020204030204" pitchFamily="34" charset="0"/>
+              </a:rPr>
               <a:t>: </a:t>
             </a:r>
             <a:r>
-              <a:rPr lang="ru-RU" dirty="0" err="1" smtClean="0"/>
+              <a:rPr lang="ru-RU" dirty="0" err="1">
+                <a:latin typeface="Calibri" panose="020F0502020204030204" pitchFamily="34" charset="0"/>
+              </a:rPr>
               <a:t>Garry</a:t>
             </a:r>
             <a:r>
-              <a:rPr lang="ru-RU" dirty="0" smtClean="0"/>
+              <a:rPr lang="ru-RU" dirty="0">
+                <a:latin typeface="Calibri" panose="020F0502020204030204" pitchFamily="34" charset="0"/>
+              </a:rPr>
               <a:t>, </a:t>
             </a:r>
             <a:r>
-              <a:rPr lang="ru-RU" dirty="0" err="1" smtClean="0"/>
+              <a:rPr lang="ru-RU" dirty="0" err="1">
+                <a:latin typeface="Calibri" panose="020F0502020204030204" pitchFamily="34" charset="0"/>
+              </a:rPr>
               <a:t>surname</a:t>
             </a:r>
             <a:r>
-              <a:rPr lang="ru-RU" dirty="0" smtClean="0"/>
+              <a:rPr lang="ru-RU" dirty="0">
+                <a:latin typeface="Calibri" panose="020F0502020204030204" pitchFamily="34" charset="0"/>
+              </a:rPr>
               <a:t>: </a:t>
             </a:r>
             <a:r>
-              <a:rPr lang="ru-RU" dirty="0" err="1" smtClean="0"/>
+              <a:rPr lang="ru-RU" dirty="0" err="1">
+                <a:latin typeface="Calibri" panose="020F0502020204030204" pitchFamily="34" charset="0"/>
+              </a:rPr>
               <a:t>Potter</a:t>
             </a:r>
             <a:r>
-              <a:rPr lang="ru-RU" dirty="0" smtClean="0"/>
+              <a:rPr lang="ru-RU" dirty="0">
+                <a:latin typeface="Calibri" panose="020F0502020204030204" pitchFamily="34" charset="0"/>
+              </a:rPr>
               <a:t>}; </a:t>
             </a:r>
-            <a:endParaRPr lang="en-US" dirty="0" smtClean="0"/>
-          </a:p>
-          <a:p>
-            <a:endParaRPr lang="en-US" dirty="0" smtClean="0"/>
-          </a:p>
-          <a:p>
-            <a:r>
-              <a:rPr lang="ru-RU" dirty="0" smtClean="0"/>
+            <a:endParaRPr lang="en-US" dirty="0">
+              <a:latin typeface="Calibri" panose="020F0502020204030204" pitchFamily="34" charset="0"/>
+            </a:endParaRPr>
+          </a:p>
+          <a:p>
+            <a:endParaRPr lang="en-US" dirty="0">
+              <a:latin typeface="Calibri" panose="020F0502020204030204" pitchFamily="34" charset="0"/>
+            </a:endParaRPr>
+          </a:p>
+          <a:p>
+            <a:r>
+              <a:rPr lang="ru-RU" dirty="0">
+                <a:latin typeface="Calibri" panose="020F0502020204030204" pitchFamily="34" charset="0"/>
+              </a:rPr>
               <a:t>&lt;</a:t>
             </a:r>
             <a:r>
-              <a:rPr lang="ru-RU" dirty="0" err="1" smtClean="0"/>
+              <a:rPr lang="ru-RU" dirty="0" err="1">
+                <a:latin typeface="Calibri" panose="020F0502020204030204" pitchFamily="34" charset="0"/>
+              </a:rPr>
               <a:t>MyComponent</a:t>
             </a:r>
             <a:r>
-              <a:rPr lang="ru-RU" dirty="0" smtClean="0"/>
+              <a:rPr lang="ru-RU" dirty="0">
+                <a:latin typeface="Calibri" panose="020F0502020204030204" pitchFamily="34" charset="0"/>
+              </a:rPr>
               <a:t> </a:t>
             </a:r>
             <a:r>
-              <a:rPr lang="ru-RU" dirty="0" err="1" smtClean="0"/>
+              <a:rPr lang="ru-RU" dirty="0" err="1">
+                <a:latin typeface="Calibri" panose="020F0502020204030204" pitchFamily="34" charset="0"/>
+              </a:rPr>
               <a:t>data=</a:t>
             </a:r>
             <a:r>
-              <a:rPr lang="ru-RU" dirty="0" smtClean="0"/>
+              <a:rPr lang="ru-RU" dirty="0">
+                <a:latin typeface="Calibri" panose="020F0502020204030204" pitchFamily="34" charset="0"/>
+              </a:rPr>
               <a:t>{value1} </a:t>
             </a:r>
             <a:r>
-              <a:rPr lang="en-US" dirty="0" err="1" smtClean="0"/>
+              <a:rPr lang="en-US" dirty="0" err="1">
+                <a:latin typeface="Calibri" panose="020F0502020204030204" pitchFamily="34" charset="0"/>
+              </a:rPr>
               <a:t>nums</a:t>
             </a:r>
             <a:r>
-              <a:rPr lang="ru-RU" dirty="0" smtClean="0"/>
+              <a:rPr lang="ru-RU" dirty="0">
+                <a:latin typeface="Calibri" panose="020F0502020204030204" pitchFamily="34" charset="0"/>
+              </a:rPr>
               <a:t>={[1,2,3,4,5]} /&gt; </a:t>
             </a:r>
-            <a:endParaRPr lang="en-US" dirty="0" smtClean="0"/>
-          </a:p>
-          <a:p>
-            <a:endParaRPr lang="uk-UA" dirty="0"/>
+            <a:endParaRPr lang="en-US" dirty="0">
+              <a:latin typeface="Calibri" panose="020F0502020204030204" pitchFamily="34" charset="0"/>
+            </a:endParaRPr>
+          </a:p>
+          <a:p>
+            <a:endParaRPr lang="uk-UA" dirty="0">
+              <a:latin typeface="Calibri" panose="020F0502020204030204" pitchFamily="34" charset="0"/>
+            </a:endParaRPr>
           </a:p>
         </p:txBody>
       </p:sp>
